--- a/figs/sbpf1_test.pptx
+++ b/figs/sbpf1_test.pptx
@@ -2,12 +2,12 @@
 <file path=ppt/presentation.xml><?xml version="1.0" encoding="utf-8"?>
 <p:presentation xmlns:a="http://schemas.openxmlformats.org/drawingml/2006/main" xmlns:r="http://schemas.openxmlformats.org/officeDocument/2006/relationships" xmlns:p="http://schemas.openxmlformats.org/presentationml/2006/main" saveSubsetFonts="1">
   <p:sldMasterIdLst>
-    <p:sldMasterId id="2147483732" r:id="rId1"/>
+    <p:sldMasterId id="2147483756" r:id="rId1"/>
   </p:sldMasterIdLst>
   <p:sldIdLst>
     <p:sldId id="256" r:id="rId2"/>
   </p:sldIdLst>
-  <p:sldSz cx="7680325" cy="7315200"/>
+  <p:sldSz cx="8047038" cy="10058400"/>
   <p:notesSz cx="6858000" cy="9144000"/>
   <p:defaultTextStyle>
     <a:defPPr>
@@ -104,7 +104,491 @@
       </a:defRPr>
     </a:lvl9pPr>
   </p:defaultTextStyle>
+  <p:extLst>
+    <p:ext uri="{EFAFB233-063F-42B5-8137-9DF3F51BA10A}">
+      <p15:sldGuideLst xmlns:p15="http://schemas.microsoft.com/office/powerpoint/2012/main"/>
+    </p:ext>
+  </p:extLst>
 </p:presentation>
+</file>
+
+<file path=ppt/revisionInfo.xml><?xml version="1.0" encoding="utf-8"?>
+<p1510:revInfo xmlns:a="http://schemas.openxmlformats.org/drawingml/2006/main" xmlns:r="http://schemas.openxmlformats.org/officeDocument/2006/relationships" xmlns:p1510="http://schemas.microsoft.com/office/powerpoint/2015/10/main">
+  <p1510:revLst>
+    <p1510:client id="{FE6C9AE6-AF76-41D1-BF1D-C38B13F0F60A}" v="31" dt="2021-11-30T00:51:41.246"/>
+  </p1510:revLst>
+</p1510:revInfo>
+</file>
+
+<file path=ppt/changesInfos/changesInfo1.xml><?xml version="1.0" encoding="utf-8"?>
+<pc:chgInfo xmlns:a="http://schemas.openxmlformats.org/drawingml/2006/main" xmlns:r="http://schemas.openxmlformats.org/officeDocument/2006/relationships" xmlns:ac="http://schemas.microsoft.com/office/drawing/2013/main/command" xmlns:pc="http://schemas.microsoft.com/office/powerpoint/2013/main/command">
+  <pc:docChgLst>
+    <pc:chgData name="Paloma Rojas Saunero" userId="4877c03b8c303747" providerId="LiveId" clId="{FE6C9AE6-AF76-41D1-BF1D-C38B13F0F60A}"/>
+    <pc:docChg chg="modSld modMainMaster">
+      <pc:chgData name="Paloma Rojas Saunero" userId="4877c03b8c303747" providerId="LiveId" clId="{FE6C9AE6-AF76-41D1-BF1D-C38B13F0F60A}" dt="2021-11-30T00:51:41.246" v="27" actId="1036"/>
+      <pc:docMkLst>
+        <pc:docMk/>
+      </pc:docMkLst>
+      <pc:sldChg chg="modSp">
+        <pc:chgData name="Paloma Rojas Saunero" userId="4877c03b8c303747" providerId="LiveId" clId="{FE6C9AE6-AF76-41D1-BF1D-C38B13F0F60A}" dt="2021-11-30T00:51:41.246" v="27" actId="1036"/>
+        <pc:sldMkLst>
+          <pc:docMk/>
+          <pc:sldMk cId="3136485680" sldId="256"/>
+        </pc:sldMkLst>
+        <pc:spChg chg="mod">
+          <ac:chgData name="Paloma Rojas Saunero" userId="4877c03b8c303747" providerId="LiveId" clId="{FE6C9AE6-AF76-41D1-BF1D-C38B13F0F60A}" dt="2021-11-30T00:51:41.246" v="27" actId="1036"/>
+          <ac:spMkLst>
+            <pc:docMk/>
+            <pc:sldMk cId="3136485680" sldId="256"/>
+            <ac:spMk id="5" creationId="{F401BF12-1468-4721-9611-75CD668A49B9}"/>
+          </ac:spMkLst>
+        </pc:spChg>
+        <pc:spChg chg="mod">
+          <ac:chgData name="Paloma Rojas Saunero" userId="4877c03b8c303747" providerId="LiveId" clId="{FE6C9AE6-AF76-41D1-BF1D-C38B13F0F60A}" dt="2021-11-30T00:51:41.246" v="27" actId="1036"/>
+          <ac:spMkLst>
+            <pc:docMk/>
+            <pc:sldMk cId="3136485680" sldId="256"/>
+            <ac:spMk id="6" creationId="{A8655472-419F-4B14-A522-DCBEF30C33BD}"/>
+          </ac:spMkLst>
+        </pc:spChg>
+        <pc:spChg chg="mod">
+          <ac:chgData name="Paloma Rojas Saunero" userId="4877c03b8c303747" providerId="LiveId" clId="{FE6C9AE6-AF76-41D1-BF1D-C38B13F0F60A}" dt="2021-11-30T00:51:41.246" v="27" actId="1036"/>
+          <ac:spMkLst>
+            <pc:docMk/>
+            <pc:sldMk cId="3136485680" sldId="256"/>
+            <ac:spMk id="7" creationId="{5268E409-0951-4485-BD1A-579B684BBC74}"/>
+          </ac:spMkLst>
+        </pc:spChg>
+        <pc:spChg chg="mod">
+          <ac:chgData name="Paloma Rojas Saunero" userId="4877c03b8c303747" providerId="LiveId" clId="{FE6C9AE6-AF76-41D1-BF1D-C38B13F0F60A}" dt="2021-11-30T00:51:41.246" v="27" actId="1036"/>
+          <ac:spMkLst>
+            <pc:docMk/>
+            <pc:sldMk cId="3136485680" sldId="256"/>
+            <ac:spMk id="9" creationId="{994F4DE8-8E71-4DBD-B517-D543A62AACFF}"/>
+          </ac:spMkLst>
+        </pc:spChg>
+        <pc:spChg chg="mod">
+          <ac:chgData name="Paloma Rojas Saunero" userId="4877c03b8c303747" providerId="LiveId" clId="{FE6C9AE6-AF76-41D1-BF1D-C38B13F0F60A}" dt="2021-11-30T00:51:41.246" v="27" actId="1036"/>
+          <ac:spMkLst>
+            <pc:docMk/>
+            <pc:sldMk cId="3136485680" sldId="256"/>
+            <ac:spMk id="12" creationId="{91C04472-8573-4B77-A9C2-5EAFE39D3A19}"/>
+          </ac:spMkLst>
+        </pc:spChg>
+        <pc:spChg chg="mod">
+          <ac:chgData name="Paloma Rojas Saunero" userId="4877c03b8c303747" providerId="LiveId" clId="{FE6C9AE6-AF76-41D1-BF1D-C38B13F0F60A}" dt="2021-11-30T00:51:41.246" v="27" actId="1036"/>
+          <ac:spMkLst>
+            <pc:docMk/>
+            <pc:sldMk cId="3136485680" sldId="256"/>
+            <ac:spMk id="13" creationId="{28764042-526B-4D24-B925-C80983B04585}"/>
+          </ac:spMkLst>
+        </pc:spChg>
+        <pc:spChg chg="mod">
+          <ac:chgData name="Paloma Rojas Saunero" userId="4877c03b8c303747" providerId="LiveId" clId="{FE6C9AE6-AF76-41D1-BF1D-C38B13F0F60A}" dt="2021-11-30T00:51:41.246" v="27" actId="1036"/>
+          <ac:spMkLst>
+            <pc:docMk/>
+            <pc:sldMk cId="3136485680" sldId="256"/>
+            <ac:spMk id="14" creationId="{25885398-33B5-4FFD-A9D3-AD6B7E03F6EF}"/>
+          </ac:spMkLst>
+        </pc:spChg>
+        <pc:spChg chg="mod">
+          <ac:chgData name="Paloma Rojas Saunero" userId="4877c03b8c303747" providerId="LiveId" clId="{FE6C9AE6-AF76-41D1-BF1D-C38B13F0F60A}" dt="2021-11-30T00:51:41.246" v="27" actId="1036"/>
+          <ac:spMkLst>
+            <pc:docMk/>
+            <pc:sldMk cId="3136485680" sldId="256"/>
+            <ac:spMk id="15" creationId="{C37ABC64-0AB8-4DBD-B9D7-477D909A7EA7}"/>
+          </ac:spMkLst>
+        </pc:spChg>
+        <pc:spChg chg="mod">
+          <ac:chgData name="Paloma Rojas Saunero" userId="4877c03b8c303747" providerId="LiveId" clId="{FE6C9AE6-AF76-41D1-BF1D-C38B13F0F60A}" dt="2021-11-30T00:51:41.246" v="27" actId="1036"/>
+          <ac:spMkLst>
+            <pc:docMk/>
+            <pc:sldMk cId="3136485680" sldId="256"/>
+            <ac:spMk id="23" creationId="{18A725C6-1D57-4B94-82AC-8FB109BD900A}"/>
+          </ac:spMkLst>
+        </pc:spChg>
+        <pc:spChg chg="mod">
+          <ac:chgData name="Paloma Rojas Saunero" userId="4877c03b8c303747" providerId="LiveId" clId="{FE6C9AE6-AF76-41D1-BF1D-C38B13F0F60A}" dt="2021-11-30T00:51:41.246" v="27" actId="1036"/>
+          <ac:spMkLst>
+            <pc:docMk/>
+            <pc:sldMk cId="3136485680" sldId="256"/>
+            <ac:spMk id="24" creationId="{84F6AA1B-D590-4241-85BB-5B624AD1D599}"/>
+          </ac:spMkLst>
+        </pc:spChg>
+        <pc:spChg chg="mod">
+          <ac:chgData name="Paloma Rojas Saunero" userId="4877c03b8c303747" providerId="LiveId" clId="{FE6C9AE6-AF76-41D1-BF1D-C38B13F0F60A}" dt="2021-11-30T00:51:41.246" v="27" actId="1036"/>
+          <ac:spMkLst>
+            <pc:docMk/>
+            <pc:sldMk cId="3136485680" sldId="256"/>
+            <ac:spMk id="26" creationId="{8918C433-FB13-49DA-905E-27F8DED923BC}"/>
+          </ac:spMkLst>
+        </pc:spChg>
+        <pc:cxnChg chg="mod">
+          <ac:chgData name="Paloma Rojas Saunero" userId="4877c03b8c303747" providerId="LiveId" clId="{FE6C9AE6-AF76-41D1-BF1D-C38B13F0F60A}" dt="2021-11-30T00:51:41.246" v="27" actId="1036"/>
+          <ac:cxnSpMkLst>
+            <pc:docMk/>
+            <pc:sldMk cId="3136485680" sldId="256"/>
+            <ac:cxnSpMk id="8" creationId="{7945F606-3F4C-4F66-AA47-6EA93DE693C7}"/>
+          </ac:cxnSpMkLst>
+        </pc:cxnChg>
+        <pc:cxnChg chg="mod">
+          <ac:chgData name="Paloma Rojas Saunero" userId="4877c03b8c303747" providerId="LiveId" clId="{FE6C9AE6-AF76-41D1-BF1D-C38B13F0F60A}" dt="2021-11-30T00:51:41.246" v="27" actId="1036"/>
+          <ac:cxnSpMkLst>
+            <pc:docMk/>
+            <pc:sldMk cId="3136485680" sldId="256"/>
+            <ac:cxnSpMk id="10" creationId="{085B14F0-ABF8-427C-98B1-C2F048401C7B}"/>
+          </ac:cxnSpMkLst>
+        </pc:cxnChg>
+        <pc:cxnChg chg="mod">
+          <ac:chgData name="Paloma Rojas Saunero" userId="4877c03b8c303747" providerId="LiveId" clId="{FE6C9AE6-AF76-41D1-BF1D-C38B13F0F60A}" dt="2021-11-30T00:51:41.246" v="27" actId="1036"/>
+          <ac:cxnSpMkLst>
+            <pc:docMk/>
+            <pc:sldMk cId="3136485680" sldId="256"/>
+            <ac:cxnSpMk id="11" creationId="{874C779A-0A0B-4AEF-B807-792360B22ABB}"/>
+          </ac:cxnSpMkLst>
+        </pc:cxnChg>
+        <pc:cxnChg chg="mod">
+          <ac:chgData name="Paloma Rojas Saunero" userId="4877c03b8c303747" providerId="LiveId" clId="{FE6C9AE6-AF76-41D1-BF1D-C38B13F0F60A}" dt="2021-11-30T00:51:41.246" v="27" actId="1036"/>
+          <ac:cxnSpMkLst>
+            <pc:docMk/>
+            <pc:sldMk cId="3136485680" sldId="256"/>
+            <ac:cxnSpMk id="16" creationId="{3BA422F6-4B65-4FDF-AD61-F748E2329CAD}"/>
+          </ac:cxnSpMkLst>
+        </pc:cxnChg>
+        <pc:cxnChg chg="mod">
+          <ac:chgData name="Paloma Rojas Saunero" userId="4877c03b8c303747" providerId="LiveId" clId="{FE6C9AE6-AF76-41D1-BF1D-C38B13F0F60A}" dt="2021-11-30T00:51:41.246" v="27" actId="1036"/>
+          <ac:cxnSpMkLst>
+            <pc:docMk/>
+            <pc:sldMk cId="3136485680" sldId="256"/>
+            <ac:cxnSpMk id="17" creationId="{56529832-49A7-4324-AA35-6C96BF21DBDE}"/>
+          </ac:cxnSpMkLst>
+        </pc:cxnChg>
+        <pc:cxnChg chg="mod">
+          <ac:chgData name="Paloma Rojas Saunero" userId="4877c03b8c303747" providerId="LiveId" clId="{FE6C9AE6-AF76-41D1-BF1D-C38B13F0F60A}" dt="2021-11-30T00:51:41.246" v="27" actId="1036"/>
+          <ac:cxnSpMkLst>
+            <pc:docMk/>
+            <pc:sldMk cId="3136485680" sldId="256"/>
+            <ac:cxnSpMk id="18" creationId="{18EB89A1-10FD-4A58-905B-CDF1C077B813}"/>
+          </ac:cxnSpMkLst>
+        </pc:cxnChg>
+        <pc:cxnChg chg="mod">
+          <ac:chgData name="Paloma Rojas Saunero" userId="4877c03b8c303747" providerId="LiveId" clId="{FE6C9AE6-AF76-41D1-BF1D-C38B13F0F60A}" dt="2021-11-30T00:51:41.246" v="27" actId="1036"/>
+          <ac:cxnSpMkLst>
+            <pc:docMk/>
+            <pc:sldMk cId="3136485680" sldId="256"/>
+            <ac:cxnSpMk id="19" creationId="{5E62D450-EA7D-4449-B445-A081F27B973C}"/>
+          </ac:cxnSpMkLst>
+        </pc:cxnChg>
+        <pc:cxnChg chg="mod">
+          <ac:chgData name="Paloma Rojas Saunero" userId="4877c03b8c303747" providerId="LiveId" clId="{FE6C9AE6-AF76-41D1-BF1D-C38B13F0F60A}" dt="2021-11-30T00:51:41.246" v="27" actId="1036"/>
+          <ac:cxnSpMkLst>
+            <pc:docMk/>
+            <pc:sldMk cId="3136485680" sldId="256"/>
+            <ac:cxnSpMk id="25" creationId="{EFB21B7C-E4E1-4F52-99D0-65EACBE15575}"/>
+          </ac:cxnSpMkLst>
+        </pc:cxnChg>
+        <pc:cxnChg chg="mod">
+          <ac:chgData name="Paloma Rojas Saunero" userId="4877c03b8c303747" providerId="LiveId" clId="{FE6C9AE6-AF76-41D1-BF1D-C38B13F0F60A}" dt="2021-11-30T00:51:41.246" v="27" actId="1036"/>
+          <ac:cxnSpMkLst>
+            <pc:docMk/>
+            <pc:sldMk cId="3136485680" sldId="256"/>
+            <ac:cxnSpMk id="36" creationId="{C4ADC893-87C0-49DD-8883-C29C35C4A86A}"/>
+          </ac:cxnSpMkLst>
+        </pc:cxnChg>
+        <pc:cxnChg chg="mod">
+          <ac:chgData name="Paloma Rojas Saunero" userId="4877c03b8c303747" providerId="LiveId" clId="{FE6C9AE6-AF76-41D1-BF1D-C38B13F0F60A}" dt="2021-11-30T00:51:41.246" v="27" actId="1036"/>
+          <ac:cxnSpMkLst>
+            <pc:docMk/>
+            <pc:sldMk cId="3136485680" sldId="256"/>
+            <ac:cxnSpMk id="62" creationId="{0F300863-1ACD-4A2C-8E18-9A2F99E59FD5}"/>
+          </ac:cxnSpMkLst>
+        </pc:cxnChg>
+        <pc:cxnChg chg="mod">
+          <ac:chgData name="Paloma Rojas Saunero" userId="4877c03b8c303747" providerId="LiveId" clId="{FE6C9AE6-AF76-41D1-BF1D-C38B13F0F60A}" dt="2021-11-30T00:51:41.246" v="27" actId="1036"/>
+          <ac:cxnSpMkLst>
+            <pc:docMk/>
+            <pc:sldMk cId="3136485680" sldId="256"/>
+            <ac:cxnSpMk id="66" creationId="{65E19D85-2C06-4D79-BCE8-5A1F9940E7BB}"/>
+          </ac:cxnSpMkLst>
+        </pc:cxnChg>
+      </pc:sldChg>
+      <pc:sldMasterChg chg="modSp modSldLayout">
+        <pc:chgData name="Paloma Rojas Saunero" userId="4877c03b8c303747" providerId="LiveId" clId="{FE6C9AE6-AF76-41D1-BF1D-C38B13F0F60A}" dt="2021-11-30T00:45:05.137" v="0"/>
+        <pc:sldMasterMkLst>
+          <pc:docMk/>
+          <pc:sldMasterMk cId="2601655500" sldId="2147483732"/>
+        </pc:sldMasterMkLst>
+        <pc:spChg chg="mod">
+          <ac:chgData name="Paloma Rojas Saunero" userId="4877c03b8c303747" providerId="LiveId" clId="{FE6C9AE6-AF76-41D1-BF1D-C38B13F0F60A}" dt="2021-11-30T00:45:05.137" v="0"/>
+          <ac:spMkLst>
+            <pc:docMk/>
+            <pc:sldMasterMk cId="2601655500" sldId="2147483732"/>
+            <ac:spMk id="2" creationId="{00000000-0000-0000-0000-000000000000}"/>
+          </ac:spMkLst>
+        </pc:spChg>
+        <pc:spChg chg="mod">
+          <ac:chgData name="Paloma Rojas Saunero" userId="4877c03b8c303747" providerId="LiveId" clId="{FE6C9AE6-AF76-41D1-BF1D-C38B13F0F60A}" dt="2021-11-30T00:45:05.137" v="0"/>
+          <ac:spMkLst>
+            <pc:docMk/>
+            <pc:sldMasterMk cId="2601655500" sldId="2147483732"/>
+            <ac:spMk id="3" creationId="{00000000-0000-0000-0000-000000000000}"/>
+          </ac:spMkLst>
+        </pc:spChg>
+        <pc:spChg chg="mod">
+          <ac:chgData name="Paloma Rojas Saunero" userId="4877c03b8c303747" providerId="LiveId" clId="{FE6C9AE6-AF76-41D1-BF1D-C38B13F0F60A}" dt="2021-11-30T00:45:05.137" v="0"/>
+          <ac:spMkLst>
+            <pc:docMk/>
+            <pc:sldMasterMk cId="2601655500" sldId="2147483732"/>
+            <ac:spMk id="4" creationId="{00000000-0000-0000-0000-000000000000}"/>
+          </ac:spMkLst>
+        </pc:spChg>
+        <pc:spChg chg="mod">
+          <ac:chgData name="Paloma Rojas Saunero" userId="4877c03b8c303747" providerId="LiveId" clId="{FE6C9AE6-AF76-41D1-BF1D-C38B13F0F60A}" dt="2021-11-30T00:45:05.137" v="0"/>
+          <ac:spMkLst>
+            <pc:docMk/>
+            <pc:sldMasterMk cId="2601655500" sldId="2147483732"/>
+            <ac:spMk id="5" creationId="{00000000-0000-0000-0000-000000000000}"/>
+          </ac:spMkLst>
+        </pc:spChg>
+        <pc:spChg chg="mod">
+          <ac:chgData name="Paloma Rojas Saunero" userId="4877c03b8c303747" providerId="LiveId" clId="{FE6C9AE6-AF76-41D1-BF1D-C38B13F0F60A}" dt="2021-11-30T00:45:05.137" v="0"/>
+          <ac:spMkLst>
+            <pc:docMk/>
+            <pc:sldMasterMk cId="2601655500" sldId="2147483732"/>
+            <ac:spMk id="6" creationId="{00000000-0000-0000-0000-000000000000}"/>
+          </ac:spMkLst>
+        </pc:spChg>
+        <pc:sldLayoutChg chg="modSp">
+          <pc:chgData name="Paloma Rojas Saunero" userId="4877c03b8c303747" providerId="LiveId" clId="{FE6C9AE6-AF76-41D1-BF1D-C38B13F0F60A}" dt="2021-11-30T00:45:05.137" v="0"/>
+          <pc:sldLayoutMkLst>
+            <pc:docMk/>
+            <pc:sldMasterMk cId="2601655500" sldId="2147483732"/>
+            <pc:sldLayoutMk cId="4197069128" sldId="2147483733"/>
+          </pc:sldLayoutMkLst>
+          <pc:spChg chg="mod">
+            <ac:chgData name="Paloma Rojas Saunero" userId="4877c03b8c303747" providerId="LiveId" clId="{FE6C9AE6-AF76-41D1-BF1D-C38B13F0F60A}" dt="2021-11-30T00:45:05.137" v="0"/>
+            <ac:spMkLst>
+              <pc:docMk/>
+              <pc:sldMasterMk cId="2601655500" sldId="2147483732"/>
+              <pc:sldLayoutMk cId="4197069128" sldId="2147483733"/>
+              <ac:spMk id="2" creationId="{00000000-0000-0000-0000-000000000000}"/>
+            </ac:spMkLst>
+          </pc:spChg>
+          <pc:spChg chg="mod">
+            <ac:chgData name="Paloma Rojas Saunero" userId="4877c03b8c303747" providerId="LiveId" clId="{FE6C9AE6-AF76-41D1-BF1D-C38B13F0F60A}" dt="2021-11-30T00:45:05.137" v="0"/>
+            <ac:spMkLst>
+              <pc:docMk/>
+              <pc:sldMasterMk cId="2601655500" sldId="2147483732"/>
+              <pc:sldLayoutMk cId="4197069128" sldId="2147483733"/>
+              <ac:spMk id="3" creationId="{00000000-0000-0000-0000-000000000000}"/>
+            </ac:spMkLst>
+          </pc:spChg>
+        </pc:sldLayoutChg>
+        <pc:sldLayoutChg chg="modSp">
+          <pc:chgData name="Paloma Rojas Saunero" userId="4877c03b8c303747" providerId="LiveId" clId="{FE6C9AE6-AF76-41D1-BF1D-C38B13F0F60A}" dt="2021-11-30T00:45:05.137" v="0"/>
+          <pc:sldLayoutMkLst>
+            <pc:docMk/>
+            <pc:sldMasterMk cId="2601655500" sldId="2147483732"/>
+            <pc:sldLayoutMk cId="3996937787" sldId="2147483735"/>
+          </pc:sldLayoutMkLst>
+          <pc:spChg chg="mod">
+            <ac:chgData name="Paloma Rojas Saunero" userId="4877c03b8c303747" providerId="LiveId" clId="{FE6C9AE6-AF76-41D1-BF1D-C38B13F0F60A}" dt="2021-11-30T00:45:05.137" v="0"/>
+            <ac:spMkLst>
+              <pc:docMk/>
+              <pc:sldMasterMk cId="2601655500" sldId="2147483732"/>
+              <pc:sldLayoutMk cId="3996937787" sldId="2147483735"/>
+              <ac:spMk id="2" creationId="{00000000-0000-0000-0000-000000000000}"/>
+            </ac:spMkLst>
+          </pc:spChg>
+          <pc:spChg chg="mod">
+            <ac:chgData name="Paloma Rojas Saunero" userId="4877c03b8c303747" providerId="LiveId" clId="{FE6C9AE6-AF76-41D1-BF1D-C38B13F0F60A}" dt="2021-11-30T00:45:05.137" v="0"/>
+            <ac:spMkLst>
+              <pc:docMk/>
+              <pc:sldMasterMk cId="2601655500" sldId="2147483732"/>
+              <pc:sldLayoutMk cId="3996937787" sldId="2147483735"/>
+              <ac:spMk id="3" creationId="{00000000-0000-0000-0000-000000000000}"/>
+            </ac:spMkLst>
+          </pc:spChg>
+        </pc:sldLayoutChg>
+        <pc:sldLayoutChg chg="modSp">
+          <pc:chgData name="Paloma Rojas Saunero" userId="4877c03b8c303747" providerId="LiveId" clId="{FE6C9AE6-AF76-41D1-BF1D-C38B13F0F60A}" dt="2021-11-30T00:45:05.137" v="0"/>
+          <pc:sldLayoutMkLst>
+            <pc:docMk/>
+            <pc:sldMasterMk cId="2601655500" sldId="2147483732"/>
+            <pc:sldLayoutMk cId="4011196474" sldId="2147483736"/>
+          </pc:sldLayoutMkLst>
+          <pc:spChg chg="mod">
+            <ac:chgData name="Paloma Rojas Saunero" userId="4877c03b8c303747" providerId="LiveId" clId="{FE6C9AE6-AF76-41D1-BF1D-C38B13F0F60A}" dt="2021-11-30T00:45:05.137" v="0"/>
+            <ac:spMkLst>
+              <pc:docMk/>
+              <pc:sldMasterMk cId="2601655500" sldId="2147483732"/>
+              <pc:sldLayoutMk cId="4011196474" sldId="2147483736"/>
+              <ac:spMk id="3" creationId="{00000000-0000-0000-0000-000000000000}"/>
+            </ac:spMkLst>
+          </pc:spChg>
+          <pc:spChg chg="mod">
+            <ac:chgData name="Paloma Rojas Saunero" userId="4877c03b8c303747" providerId="LiveId" clId="{FE6C9AE6-AF76-41D1-BF1D-C38B13F0F60A}" dt="2021-11-30T00:45:05.137" v="0"/>
+            <ac:spMkLst>
+              <pc:docMk/>
+              <pc:sldMasterMk cId="2601655500" sldId="2147483732"/>
+              <pc:sldLayoutMk cId="4011196474" sldId="2147483736"/>
+              <ac:spMk id="4" creationId="{00000000-0000-0000-0000-000000000000}"/>
+            </ac:spMkLst>
+          </pc:spChg>
+        </pc:sldLayoutChg>
+        <pc:sldLayoutChg chg="modSp">
+          <pc:chgData name="Paloma Rojas Saunero" userId="4877c03b8c303747" providerId="LiveId" clId="{FE6C9AE6-AF76-41D1-BF1D-C38B13F0F60A}" dt="2021-11-30T00:45:05.137" v="0"/>
+          <pc:sldLayoutMkLst>
+            <pc:docMk/>
+            <pc:sldMasterMk cId="2601655500" sldId="2147483732"/>
+            <pc:sldLayoutMk cId="3101928542" sldId="2147483737"/>
+          </pc:sldLayoutMkLst>
+          <pc:spChg chg="mod">
+            <ac:chgData name="Paloma Rojas Saunero" userId="4877c03b8c303747" providerId="LiveId" clId="{FE6C9AE6-AF76-41D1-BF1D-C38B13F0F60A}" dt="2021-11-30T00:45:05.137" v="0"/>
+            <ac:spMkLst>
+              <pc:docMk/>
+              <pc:sldMasterMk cId="2601655500" sldId="2147483732"/>
+              <pc:sldLayoutMk cId="3101928542" sldId="2147483737"/>
+              <ac:spMk id="2" creationId="{00000000-0000-0000-0000-000000000000}"/>
+            </ac:spMkLst>
+          </pc:spChg>
+          <pc:spChg chg="mod">
+            <ac:chgData name="Paloma Rojas Saunero" userId="4877c03b8c303747" providerId="LiveId" clId="{FE6C9AE6-AF76-41D1-BF1D-C38B13F0F60A}" dt="2021-11-30T00:45:05.137" v="0"/>
+            <ac:spMkLst>
+              <pc:docMk/>
+              <pc:sldMasterMk cId="2601655500" sldId="2147483732"/>
+              <pc:sldLayoutMk cId="3101928542" sldId="2147483737"/>
+              <ac:spMk id="3" creationId="{00000000-0000-0000-0000-000000000000}"/>
+            </ac:spMkLst>
+          </pc:spChg>
+          <pc:spChg chg="mod">
+            <ac:chgData name="Paloma Rojas Saunero" userId="4877c03b8c303747" providerId="LiveId" clId="{FE6C9AE6-AF76-41D1-BF1D-C38B13F0F60A}" dt="2021-11-30T00:45:05.137" v="0"/>
+            <ac:spMkLst>
+              <pc:docMk/>
+              <pc:sldMasterMk cId="2601655500" sldId="2147483732"/>
+              <pc:sldLayoutMk cId="3101928542" sldId="2147483737"/>
+              <ac:spMk id="4" creationId="{00000000-0000-0000-0000-000000000000}"/>
+            </ac:spMkLst>
+          </pc:spChg>
+          <pc:spChg chg="mod">
+            <ac:chgData name="Paloma Rojas Saunero" userId="4877c03b8c303747" providerId="LiveId" clId="{FE6C9AE6-AF76-41D1-BF1D-C38B13F0F60A}" dt="2021-11-30T00:45:05.137" v="0"/>
+            <ac:spMkLst>
+              <pc:docMk/>
+              <pc:sldMasterMk cId="2601655500" sldId="2147483732"/>
+              <pc:sldLayoutMk cId="3101928542" sldId="2147483737"/>
+              <ac:spMk id="5" creationId="{00000000-0000-0000-0000-000000000000}"/>
+            </ac:spMkLst>
+          </pc:spChg>
+          <pc:spChg chg="mod">
+            <ac:chgData name="Paloma Rojas Saunero" userId="4877c03b8c303747" providerId="LiveId" clId="{FE6C9AE6-AF76-41D1-BF1D-C38B13F0F60A}" dt="2021-11-30T00:45:05.137" v="0"/>
+            <ac:spMkLst>
+              <pc:docMk/>
+              <pc:sldMasterMk cId="2601655500" sldId="2147483732"/>
+              <pc:sldLayoutMk cId="3101928542" sldId="2147483737"/>
+              <ac:spMk id="6" creationId="{00000000-0000-0000-0000-000000000000}"/>
+            </ac:spMkLst>
+          </pc:spChg>
+        </pc:sldLayoutChg>
+        <pc:sldLayoutChg chg="modSp">
+          <pc:chgData name="Paloma Rojas Saunero" userId="4877c03b8c303747" providerId="LiveId" clId="{FE6C9AE6-AF76-41D1-BF1D-C38B13F0F60A}" dt="2021-11-30T00:45:05.137" v="0"/>
+          <pc:sldLayoutMkLst>
+            <pc:docMk/>
+            <pc:sldMasterMk cId="2601655500" sldId="2147483732"/>
+            <pc:sldLayoutMk cId="2811746990" sldId="2147483740"/>
+          </pc:sldLayoutMkLst>
+          <pc:spChg chg="mod">
+            <ac:chgData name="Paloma Rojas Saunero" userId="4877c03b8c303747" providerId="LiveId" clId="{FE6C9AE6-AF76-41D1-BF1D-C38B13F0F60A}" dt="2021-11-30T00:45:05.137" v="0"/>
+            <ac:spMkLst>
+              <pc:docMk/>
+              <pc:sldMasterMk cId="2601655500" sldId="2147483732"/>
+              <pc:sldLayoutMk cId="2811746990" sldId="2147483740"/>
+              <ac:spMk id="2" creationId="{00000000-0000-0000-0000-000000000000}"/>
+            </ac:spMkLst>
+          </pc:spChg>
+          <pc:spChg chg="mod">
+            <ac:chgData name="Paloma Rojas Saunero" userId="4877c03b8c303747" providerId="LiveId" clId="{FE6C9AE6-AF76-41D1-BF1D-C38B13F0F60A}" dt="2021-11-30T00:45:05.137" v="0"/>
+            <ac:spMkLst>
+              <pc:docMk/>
+              <pc:sldMasterMk cId="2601655500" sldId="2147483732"/>
+              <pc:sldLayoutMk cId="2811746990" sldId="2147483740"/>
+              <ac:spMk id="3" creationId="{00000000-0000-0000-0000-000000000000}"/>
+            </ac:spMkLst>
+          </pc:spChg>
+          <pc:spChg chg="mod">
+            <ac:chgData name="Paloma Rojas Saunero" userId="4877c03b8c303747" providerId="LiveId" clId="{FE6C9AE6-AF76-41D1-BF1D-C38B13F0F60A}" dt="2021-11-30T00:45:05.137" v="0"/>
+            <ac:spMkLst>
+              <pc:docMk/>
+              <pc:sldMasterMk cId="2601655500" sldId="2147483732"/>
+              <pc:sldLayoutMk cId="2811746990" sldId="2147483740"/>
+              <ac:spMk id="4" creationId="{00000000-0000-0000-0000-000000000000}"/>
+            </ac:spMkLst>
+          </pc:spChg>
+        </pc:sldLayoutChg>
+        <pc:sldLayoutChg chg="modSp">
+          <pc:chgData name="Paloma Rojas Saunero" userId="4877c03b8c303747" providerId="LiveId" clId="{FE6C9AE6-AF76-41D1-BF1D-C38B13F0F60A}" dt="2021-11-30T00:45:05.137" v="0"/>
+          <pc:sldLayoutMkLst>
+            <pc:docMk/>
+            <pc:sldMasterMk cId="2601655500" sldId="2147483732"/>
+            <pc:sldLayoutMk cId="834001189" sldId="2147483741"/>
+          </pc:sldLayoutMkLst>
+          <pc:spChg chg="mod">
+            <ac:chgData name="Paloma Rojas Saunero" userId="4877c03b8c303747" providerId="LiveId" clId="{FE6C9AE6-AF76-41D1-BF1D-C38B13F0F60A}" dt="2021-11-30T00:45:05.137" v="0"/>
+            <ac:spMkLst>
+              <pc:docMk/>
+              <pc:sldMasterMk cId="2601655500" sldId="2147483732"/>
+              <pc:sldLayoutMk cId="834001189" sldId="2147483741"/>
+              <ac:spMk id="2" creationId="{00000000-0000-0000-0000-000000000000}"/>
+            </ac:spMkLst>
+          </pc:spChg>
+          <pc:spChg chg="mod">
+            <ac:chgData name="Paloma Rojas Saunero" userId="4877c03b8c303747" providerId="LiveId" clId="{FE6C9AE6-AF76-41D1-BF1D-C38B13F0F60A}" dt="2021-11-30T00:45:05.137" v="0"/>
+            <ac:spMkLst>
+              <pc:docMk/>
+              <pc:sldMasterMk cId="2601655500" sldId="2147483732"/>
+              <pc:sldLayoutMk cId="834001189" sldId="2147483741"/>
+              <ac:spMk id="3" creationId="{00000000-0000-0000-0000-000000000000}"/>
+            </ac:spMkLst>
+          </pc:spChg>
+          <pc:spChg chg="mod">
+            <ac:chgData name="Paloma Rojas Saunero" userId="4877c03b8c303747" providerId="LiveId" clId="{FE6C9AE6-AF76-41D1-BF1D-C38B13F0F60A}" dt="2021-11-30T00:45:05.137" v="0"/>
+            <ac:spMkLst>
+              <pc:docMk/>
+              <pc:sldMasterMk cId="2601655500" sldId="2147483732"/>
+              <pc:sldLayoutMk cId="834001189" sldId="2147483741"/>
+              <ac:spMk id="4" creationId="{00000000-0000-0000-0000-000000000000}"/>
+            </ac:spMkLst>
+          </pc:spChg>
+        </pc:sldLayoutChg>
+        <pc:sldLayoutChg chg="modSp">
+          <pc:chgData name="Paloma Rojas Saunero" userId="4877c03b8c303747" providerId="LiveId" clId="{FE6C9AE6-AF76-41D1-BF1D-C38B13F0F60A}" dt="2021-11-30T00:45:05.137" v="0"/>
+          <pc:sldLayoutMkLst>
+            <pc:docMk/>
+            <pc:sldMasterMk cId="2601655500" sldId="2147483732"/>
+            <pc:sldLayoutMk cId="1339069289" sldId="2147483743"/>
+          </pc:sldLayoutMkLst>
+          <pc:spChg chg="mod">
+            <ac:chgData name="Paloma Rojas Saunero" userId="4877c03b8c303747" providerId="LiveId" clId="{FE6C9AE6-AF76-41D1-BF1D-C38B13F0F60A}" dt="2021-11-30T00:45:05.137" v="0"/>
+            <ac:spMkLst>
+              <pc:docMk/>
+              <pc:sldMasterMk cId="2601655500" sldId="2147483732"/>
+              <pc:sldLayoutMk cId="1339069289" sldId="2147483743"/>
+              <ac:spMk id="2" creationId="{00000000-0000-0000-0000-000000000000}"/>
+            </ac:spMkLst>
+          </pc:spChg>
+          <pc:spChg chg="mod">
+            <ac:chgData name="Paloma Rojas Saunero" userId="4877c03b8c303747" providerId="LiveId" clId="{FE6C9AE6-AF76-41D1-BF1D-C38B13F0F60A}" dt="2021-11-30T00:45:05.137" v="0"/>
+            <ac:spMkLst>
+              <pc:docMk/>
+              <pc:sldMasterMk cId="2601655500" sldId="2147483732"/>
+              <pc:sldLayoutMk cId="1339069289" sldId="2147483743"/>
+              <ac:spMk id="3" creationId="{00000000-0000-0000-0000-000000000000}"/>
+            </ac:spMkLst>
+          </pc:spChg>
+        </pc:sldLayoutChg>
+      </pc:sldMasterChg>
+    </pc:docChg>
+  </pc:docChgLst>
+</pc:chgInfo>
 </file>
 
 <file path=ppt/slideLayouts/slideLayout1.xml><?xml version="1.0" encoding="utf-8"?>
@@ -136,15 +620,15 @@
         </p:nvSpPr>
         <p:spPr>
           <a:xfrm>
-            <a:off x="576025" y="1197187"/>
-            <a:ext cx="6528276" cy="2546773"/>
+            <a:off x="603528" y="1646133"/>
+            <a:ext cx="6839982" cy="3501813"/>
           </a:xfrm>
         </p:spPr>
         <p:txBody>
           <a:bodyPr anchor="b"/>
           <a:lstStyle>
             <a:lvl1pPr algn="ctr">
-              <a:defRPr sz="5039"/>
+              <a:defRPr sz="5280"/>
             </a:lvl1pPr>
           </a:lstStyle>
           <a:p>
@@ -168,8 +652,8 @@
         </p:nvSpPr>
         <p:spPr>
           <a:xfrm>
-            <a:off x="960041" y="3842174"/>
-            <a:ext cx="5760244" cy="1766146"/>
+            <a:off x="1005880" y="5282989"/>
+            <a:ext cx="6035279" cy="2428451"/>
           </a:xfrm>
         </p:spPr>
         <p:txBody>
@@ -177,39 +661,39 @@
           <a:lstStyle>
             <a:lvl1pPr marL="0" indent="0" algn="ctr">
               <a:buNone/>
-              <a:defRPr sz="2016"/>
+              <a:defRPr sz="2112"/>
             </a:lvl1pPr>
-            <a:lvl2pPr marL="384002" indent="0" algn="ctr">
-              <a:buNone/>
-              <a:defRPr sz="1680"/>
+            <a:lvl2pPr marL="402336" indent="0" algn="ctr">
+              <a:buNone/>
+              <a:defRPr sz="1760"/>
             </a:lvl2pPr>
-            <a:lvl3pPr marL="768005" indent="0" algn="ctr">
-              <a:buNone/>
-              <a:defRPr sz="1512"/>
+            <a:lvl3pPr marL="804672" indent="0" algn="ctr">
+              <a:buNone/>
+              <a:defRPr sz="1584"/>
             </a:lvl3pPr>
-            <a:lvl4pPr marL="1152007" indent="0" algn="ctr">
-              <a:buNone/>
-              <a:defRPr sz="1344"/>
+            <a:lvl4pPr marL="1207008" indent="0" algn="ctr">
+              <a:buNone/>
+              <a:defRPr sz="1408"/>
             </a:lvl4pPr>
-            <a:lvl5pPr marL="1536009" indent="0" algn="ctr">
-              <a:buNone/>
-              <a:defRPr sz="1344"/>
+            <a:lvl5pPr marL="1609344" indent="0" algn="ctr">
+              <a:buNone/>
+              <a:defRPr sz="1408"/>
             </a:lvl5pPr>
-            <a:lvl6pPr marL="1920011" indent="0" algn="ctr">
-              <a:buNone/>
-              <a:defRPr sz="1344"/>
+            <a:lvl6pPr marL="2011680" indent="0" algn="ctr">
+              <a:buNone/>
+              <a:defRPr sz="1408"/>
             </a:lvl6pPr>
-            <a:lvl7pPr marL="2304014" indent="0" algn="ctr">
-              <a:buNone/>
-              <a:defRPr sz="1344"/>
+            <a:lvl7pPr marL="2414016" indent="0" algn="ctr">
+              <a:buNone/>
+              <a:defRPr sz="1408"/>
             </a:lvl7pPr>
-            <a:lvl8pPr marL="2688016" indent="0" algn="ctr">
-              <a:buNone/>
-              <a:defRPr sz="1344"/>
+            <a:lvl8pPr marL="2816352" indent="0" algn="ctr">
+              <a:buNone/>
+              <a:defRPr sz="1408"/>
             </a:lvl8pPr>
-            <a:lvl9pPr marL="3072018" indent="0" algn="ctr">
-              <a:buNone/>
-              <a:defRPr sz="1344"/>
+            <a:lvl9pPr marL="3218688" indent="0" algn="ctr">
+              <a:buNone/>
+              <a:defRPr sz="1408"/>
             </a:lvl9pPr>
           </a:lstStyle>
           <a:p>
@@ -238,7 +722,7 @@
           <a:p>
             <a:fld id="{0C5BDED1-0BE7-4ECE-A7B2-993361CCC74F}" type="datetimeFigureOut">
               <a:rPr lang="LID4096" smtClean="0"/>
-              <a:t>11/28/2021</a:t>
+              <a:t>11/30/2021</a:t>
             </a:fld>
             <a:endParaRPr lang="LID4096"/>
           </a:p>
@@ -289,7 +773,7 @@
     </p:spTree>
     <p:extLst>
       <p:ext uri="{BB962C8B-B14F-4D97-AF65-F5344CB8AC3E}">
-        <p14:creationId xmlns:p14="http://schemas.microsoft.com/office/powerpoint/2010/main" val="4197069128"/>
+        <p14:creationId xmlns:p14="http://schemas.microsoft.com/office/powerpoint/2010/main" val="4094643271"/>
       </p:ext>
     </p:extLst>
   </p:cSld>
@@ -408,7 +892,7 @@
           <a:p>
             <a:fld id="{0C5BDED1-0BE7-4ECE-A7B2-993361CCC74F}" type="datetimeFigureOut">
               <a:rPr lang="LID4096" smtClean="0"/>
-              <a:t>11/28/2021</a:t>
+              <a:t>11/30/2021</a:t>
             </a:fld>
             <a:endParaRPr lang="LID4096"/>
           </a:p>
@@ -459,7 +943,7 @@
     </p:spTree>
     <p:extLst>
       <p:ext uri="{BB962C8B-B14F-4D97-AF65-F5344CB8AC3E}">
-        <p14:creationId xmlns:p14="http://schemas.microsoft.com/office/powerpoint/2010/main" val="2968145172"/>
+        <p14:creationId xmlns:p14="http://schemas.microsoft.com/office/powerpoint/2010/main" val="4237279332"/>
       </p:ext>
     </p:extLst>
   </p:cSld>
@@ -498,8 +982,8 @@
         </p:nvSpPr>
         <p:spPr>
           <a:xfrm>
-            <a:off x="5496233" y="389467"/>
-            <a:ext cx="1656070" cy="6199294"/>
+            <a:off x="5758662" y="535517"/>
+            <a:ext cx="1735143" cy="8524029"/>
           </a:xfrm>
         </p:spPr>
         <p:txBody>
@@ -526,8 +1010,8 @@
         </p:nvSpPr>
         <p:spPr>
           <a:xfrm>
-            <a:off x="528023" y="389467"/>
-            <a:ext cx="4872206" cy="6199294"/>
+            <a:off x="553234" y="535517"/>
+            <a:ext cx="5104840" cy="8524029"/>
           </a:xfrm>
         </p:spPr>
         <p:txBody>
@@ -588,7 +1072,7 @@
           <a:p>
             <a:fld id="{0C5BDED1-0BE7-4ECE-A7B2-993361CCC74F}" type="datetimeFigureOut">
               <a:rPr lang="LID4096" smtClean="0"/>
-              <a:t>11/28/2021</a:t>
+              <a:t>11/30/2021</a:t>
             </a:fld>
             <a:endParaRPr lang="LID4096"/>
           </a:p>
@@ -639,7 +1123,7 @@
     </p:spTree>
     <p:extLst>
       <p:ext uri="{BB962C8B-B14F-4D97-AF65-F5344CB8AC3E}">
-        <p14:creationId xmlns:p14="http://schemas.microsoft.com/office/powerpoint/2010/main" val="1339069289"/>
+        <p14:creationId xmlns:p14="http://schemas.microsoft.com/office/powerpoint/2010/main" val="2901066385"/>
       </p:ext>
     </p:extLst>
   </p:cSld>
@@ -758,7 +1242,7 @@
           <a:p>
             <a:fld id="{0C5BDED1-0BE7-4ECE-A7B2-993361CCC74F}" type="datetimeFigureOut">
               <a:rPr lang="LID4096" smtClean="0"/>
-              <a:t>11/28/2021</a:t>
+              <a:t>11/30/2021</a:t>
             </a:fld>
             <a:endParaRPr lang="LID4096"/>
           </a:p>
@@ -809,7 +1293,7 @@
     </p:spTree>
     <p:extLst>
       <p:ext uri="{BB962C8B-B14F-4D97-AF65-F5344CB8AC3E}">
-        <p14:creationId xmlns:p14="http://schemas.microsoft.com/office/powerpoint/2010/main" val="53543629"/>
+        <p14:creationId xmlns:p14="http://schemas.microsoft.com/office/powerpoint/2010/main" val="1080960104"/>
       </p:ext>
     </p:extLst>
   </p:cSld>
@@ -848,15 +1332,15 @@
         </p:nvSpPr>
         <p:spPr>
           <a:xfrm>
-            <a:off x="524023" y="1823722"/>
-            <a:ext cx="6624280" cy="3042919"/>
+            <a:off x="549043" y="2507618"/>
+            <a:ext cx="6940570" cy="4184014"/>
           </a:xfrm>
         </p:spPr>
         <p:txBody>
           <a:bodyPr anchor="b"/>
           <a:lstStyle>
             <a:lvl1pPr>
-              <a:defRPr sz="5039"/>
+              <a:defRPr sz="5280"/>
             </a:lvl1pPr>
           </a:lstStyle>
           <a:p>
@@ -880,8 +1364,8 @@
         </p:nvSpPr>
         <p:spPr>
           <a:xfrm>
-            <a:off x="524023" y="4895429"/>
-            <a:ext cx="6624280" cy="1600199"/>
+            <a:off x="549043" y="6731215"/>
+            <a:ext cx="6940570" cy="2200274"/>
           </a:xfrm>
         </p:spPr>
         <p:txBody>
@@ -889,15 +1373,15 @@
           <a:lstStyle>
             <a:lvl1pPr marL="0" indent="0">
               <a:buNone/>
-              <a:defRPr sz="2016">
+              <a:defRPr sz="2112">
                 <a:solidFill>
                   <a:schemeClr val="tx1"/>
                 </a:solidFill>
               </a:defRPr>
             </a:lvl1pPr>
-            <a:lvl2pPr marL="384002" indent="0">
-              <a:buNone/>
-              <a:defRPr sz="1680">
+            <a:lvl2pPr marL="402336" indent="0">
+              <a:buNone/>
+              <a:defRPr sz="1760">
                 <a:solidFill>
                   <a:schemeClr val="tx1">
                     <a:tint val="75000"/>
@@ -905,9 +1389,9 @@
                 </a:solidFill>
               </a:defRPr>
             </a:lvl2pPr>
-            <a:lvl3pPr marL="768005" indent="0">
-              <a:buNone/>
-              <a:defRPr sz="1512">
+            <a:lvl3pPr marL="804672" indent="0">
+              <a:buNone/>
+              <a:defRPr sz="1584">
                 <a:solidFill>
                   <a:schemeClr val="tx1">
                     <a:tint val="75000"/>
@@ -915,9 +1399,9 @@
                 </a:solidFill>
               </a:defRPr>
             </a:lvl3pPr>
-            <a:lvl4pPr marL="1152007" indent="0">
-              <a:buNone/>
-              <a:defRPr sz="1344">
+            <a:lvl4pPr marL="1207008" indent="0">
+              <a:buNone/>
+              <a:defRPr sz="1408">
                 <a:solidFill>
                   <a:schemeClr val="tx1">
                     <a:tint val="75000"/>
@@ -925,9 +1409,9 @@
                 </a:solidFill>
               </a:defRPr>
             </a:lvl4pPr>
-            <a:lvl5pPr marL="1536009" indent="0">
-              <a:buNone/>
-              <a:defRPr sz="1344">
+            <a:lvl5pPr marL="1609344" indent="0">
+              <a:buNone/>
+              <a:defRPr sz="1408">
                 <a:solidFill>
                   <a:schemeClr val="tx1">
                     <a:tint val="75000"/>
@@ -935,9 +1419,9 @@
                 </a:solidFill>
               </a:defRPr>
             </a:lvl5pPr>
-            <a:lvl6pPr marL="1920011" indent="0">
-              <a:buNone/>
-              <a:defRPr sz="1344">
+            <a:lvl6pPr marL="2011680" indent="0">
+              <a:buNone/>
+              <a:defRPr sz="1408">
                 <a:solidFill>
                   <a:schemeClr val="tx1">
                     <a:tint val="75000"/>
@@ -945,9 +1429,9 @@
                 </a:solidFill>
               </a:defRPr>
             </a:lvl6pPr>
-            <a:lvl7pPr marL="2304014" indent="0">
-              <a:buNone/>
-              <a:defRPr sz="1344">
+            <a:lvl7pPr marL="2414016" indent="0">
+              <a:buNone/>
+              <a:defRPr sz="1408">
                 <a:solidFill>
                   <a:schemeClr val="tx1">
                     <a:tint val="75000"/>
@@ -955,9 +1439,9 @@
                 </a:solidFill>
               </a:defRPr>
             </a:lvl7pPr>
-            <a:lvl8pPr marL="2688016" indent="0">
-              <a:buNone/>
-              <a:defRPr sz="1344">
+            <a:lvl8pPr marL="2816352" indent="0">
+              <a:buNone/>
+              <a:defRPr sz="1408">
                 <a:solidFill>
                   <a:schemeClr val="tx1">
                     <a:tint val="75000"/>
@@ -965,9 +1449,9 @@
                 </a:solidFill>
               </a:defRPr>
             </a:lvl8pPr>
-            <a:lvl9pPr marL="3072018" indent="0">
-              <a:buNone/>
-              <a:defRPr sz="1344">
+            <a:lvl9pPr marL="3218688" indent="0">
+              <a:buNone/>
+              <a:defRPr sz="1408">
                 <a:solidFill>
                   <a:schemeClr val="tx1">
                     <a:tint val="75000"/>
@@ -1002,7 +1486,7 @@
           <a:p>
             <a:fld id="{0C5BDED1-0BE7-4ECE-A7B2-993361CCC74F}" type="datetimeFigureOut">
               <a:rPr lang="LID4096" smtClean="0"/>
-              <a:t>11/28/2021</a:t>
+              <a:t>11/30/2021</a:t>
             </a:fld>
             <a:endParaRPr lang="LID4096"/>
           </a:p>
@@ -1053,7 +1537,7 @@
     </p:spTree>
     <p:extLst>
       <p:ext uri="{BB962C8B-B14F-4D97-AF65-F5344CB8AC3E}">
-        <p14:creationId xmlns:p14="http://schemas.microsoft.com/office/powerpoint/2010/main" val="3996937787"/>
+        <p14:creationId xmlns:p14="http://schemas.microsoft.com/office/powerpoint/2010/main" val="396620587"/>
       </p:ext>
     </p:extLst>
   </p:cSld>
@@ -1115,8 +1599,8 @@
         </p:nvSpPr>
         <p:spPr>
           <a:xfrm>
-            <a:off x="528022" y="1947333"/>
-            <a:ext cx="3264138" cy="4641427"/>
+            <a:off x="553234" y="2677584"/>
+            <a:ext cx="3419991" cy="6381962"/>
           </a:xfrm>
         </p:spPr>
         <p:txBody>
@@ -1172,8 +1656,8 @@
         </p:nvSpPr>
         <p:spPr>
           <a:xfrm>
-            <a:off x="3888165" y="1947333"/>
-            <a:ext cx="3264138" cy="4641427"/>
+            <a:off x="4073813" y="2677584"/>
+            <a:ext cx="3419991" cy="6381962"/>
           </a:xfrm>
         </p:spPr>
         <p:txBody>
@@ -1234,7 +1718,7 @@
           <a:p>
             <a:fld id="{0C5BDED1-0BE7-4ECE-A7B2-993361CCC74F}" type="datetimeFigureOut">
               <a:rPr lang="LID4096" smtClean="0"/>
-              <a:t>11/28/2021</a:t>
+              <a:t>11/30/2021</a:t>
             </a:fld>
             <a:endParaRPr lang="LID4096"/>
           </a:p>
@@ -1285,7 +1769,7 @@
     </p:spTree>
     <p:extLst>
       <p:ext uri="{BB962C8B-B14F-4D97-AF65-F5344CB8AC3E}">
-        <p14:creationId xmlns:p14="http://schemas.microsoft.com/office/powerpoint/2010/main" val="4011196474"/>
+        <p14:creationId xmlns:p14="http://schemas.microsoft.com/office/powerpoint/2010/main" val="3282213748"/>
       </p:ext>
     </p:extLst>
   </p:cSld>
@@ -1324,8 +1808,8 @@
         </p:nvSpPr>
         <p:spPr>
           <a:xfrm>
-            <a:off x="529023" y="389468"/>
-            <a:ext cx="6624280" cy="1413934"/>
+            <a:off x="554282" y="535519"/>
+            <a:ext cx="6940570" cy="1944159"/>
           </a:xfrm>
         </p:spPr>
         <p:txBody>
@@ -1352,8 +1836,8 @@
         </p:nvSpPr>
         <p:spPr>
           <a:xfrm>
-            <a:off x="529024" y="1793241"/>
-            <a:ext cx="3249137" cy="878839"/>
+            <a:off x="554283" y="2465706"/>
+            <a:ext cx="3404274" cy="1208404"/>
           </a:xfrm>
         </p:spPr>
         <p:txBody>
@@ -1361,39 +1845,39 @@
           <a:lstStyle>
             <a:lvl1pPr marL="0" indent="0">
               <a:buNone/>
-              <a:defRPr sz="2016" b="1"/>
+              <a:defRPr sz="2112" b="1"/>
             </a:lvl1pPr>
-            <a:lvl2pPr marL="384002" indent="0">
-              <a:buNone/>
-              <a:defRPr sz="1680" b="1"/>
+            <a:lvl2pPr marL="402336" indent="0">
+              <a:buNone/>
+              <a:defRPr sz="1760" b="1"/>
             </a:lvl2pPr>
-            <a:lvl3pPr marL="768005" indent="0">
-              <a:buNone/>
-              <a:defRPr sz="1512" b="1"/>
+            <a:lvl3pPr marL="804672" indent="0">
+              <a:buNone/>
+              <a:defRPr sz="1584" b="1"/>
             </a:lvl3pPr>
-            <a:lvl4pPr marL="1152007" indent="0">
-              <a:buNone/>
-              <a:defRPr sz="1344" b="1"/>
+            <a:lvl4pPr marL="1207008" indent="0">
+              <a:buNone/>
+              <a:defRPr sz="1408" b="1"/>
             </a:lvl4pPr>
-            <a:lvl5pPr marL="1536009" indent="0">
-              <a:buNone/>
-              <a:defRPr sz="1344" b="1"/>
+            <a:lvl5pPr marL="1609344" indent="0">
+              <a:buNone/>
+              <a:defRPr sz="1408" b="1"/>
             </a:lvl5pPr>
-            <a:lvl6pPr marL="1920011" indent="0">
-              <a:buNone/>
-              <a:defRPr sz="1344" b="1"/>
+            <a:lvl6pPr marL="2011680" indent="0">
+              <a:buNone/>
+              <a:defRPr sz="1408" b="1"/>
             </a:lvl6pPr>
-            <a:lvl7pPr marL="2304014" indent="0">
-              <a:buNone/>
-              <a:defRPr sz="1344" b="1"/>
+            <a:lvl7pPr marL="2414016" indent="0">
+              <a:buNone/>
+              <a:defRPr sz="1408" b="1"/>
             </a:lvl7pPr>
-            <a:lvl8pPr marL="2688016" indent="0">
-              <a:buNone/>
-              <a:defRPr sz="1344" b="1"/>
+            <a:lvl8pPr marL="2816352" indent="0">
+              <a:buNone/>
+              <a:defRPr sz="1408" b="1"/>
             </a:lvl8pPr>
-            <a:lvl9pPr marL="3072018" indent="0">
-              <a:buNone/>
-              <a:defRPr sz="1344" b="1"/>
+            <a:lvl9pPr marL="3218688" indent="0">
+              <a:buNone/>
+              <a:defRPr sz="1408" b="1"/>
             </a:lvl9pPr>
           </a:lstStyle>
           <a:p>
@@ -1417,8 +1901,8 @@
         </p:nvSpPr>
         <p:spPr>
           <a:xfrm>
-            <a:off x="529024" y="2672080"/>
-            <a:ext cx="3249137" cy="3930227"/>
+            <a:off x="554283" y="3674110"/>
+            <a:ext cx="3404274" cy="5404062"/>
           </a:xfrm>
         </p:spPr>
         <p:txBody>
@@ -1474,8 +1958,8 @@
         </p:nvSpPr>
         <p:spPr>
           <a:xfrm>
-            <a:off x="3888165" y="1793241"/>
-            <a:ext cx="3265138" cy="878839"/>
+            <a:off x="4073814" y="2465706"/>
+            <a:ext cx="3421039" cy="1208404"/>
           </a:xfrm>
         </p:spPr>
         <p:txBody>
@@ -1483,39 +1967,39 @@
           <a:lstStyle>
             <a:lvl1pPr marL="0" indent="0">
               <a:buNone/>
-              <a:defRPr sz="2016" b="1"/>
+              <a:defRPr sz="2112" b="1"/>
             </a:lvl1pPr>
-            <a:lvl2pPr marL="384002" indent="0">
-              <a:buNone/>
-              <a:defRPr sz="1680" b="1"/>
+            <a:lvl2pPr marL="402336" indent="0">
+              <a:buNone/>
+              <a:defRPr sz="1760" b="1"/>
             </a:lvl2pPr>
-            <a:lvl3pPr marL="768005" indent="0">
-              <a:buNone/>
-              <a:defRPr sz="1512" b="1"/>
+            <a:lvl3pPr marL="804672" indent="0">
+              <a:buNone/>
+              <a:defRPr sz="1584" b="1"/>
             </a:lvl3pPr>
-            <a:lvl4pPr marL="1152007" indent="0">
-              <a:buNone/>
-              <a:defRPr sz="1344" b="1"/>
+            <a:lvl4pPr marL="1207008" indent="0">
+              <a:buNone/>
+              <a:defRPr sz="1408" b="1"/>
             </a:lvl4pPr>
-            <a:lvl5pPr marL="1536009" indent="0">
-              <a:buNone/>
-              <a:defRPr sz="1344" b="1"/>
+            <a:lvl5pPr marL="1609344" indent="0">
+              <a:buNone/>
+              <a:defRPr sz="1408" b="1"/>
             </a:lvl5pPr>
-            <a:lvl6pPr marL="1920011" indent="0">
-              <a:buNone/>
-              <a:defRPr sz="1344" b="1"/>
+            <a:lvl6pPr marL="2011680" indent="0">
+              <a:buNone/>
+              <a:defRPr sz="1408" b="1"/>
             </a:lvl6pPr>
-            <a:lvl7pPr marL="2304014" indent="0">
-              <a:buNone/>
-              <a:defRPr sz="1344" b="1"/>
+            <a:lvl7pPr marL="2414016" indent="0">
+              <a:buNone/>
+              <a:defRPr sz="1408" b="1"/>
             </a:lvl7pPr>
-            <a:lvl8pPr marL="2688016" indent="0">
-              <a:buNone/>
-              <a:defRPr sz="1344" b="1"/>
+            <a:lvl8pPr marL="2816352" indent="0">
+              <a:buNone/>
+              <a:defRPr sz="1408" b="1"/>
             </a:lvl8pPr>
-            <a:lvl9pPr marL="3072018" indent="0">
-              <a:buNone/>
-              <a:defRPr sz="1344" b="1"/>
+            <a:lvl9pPr marL="3218688" indent="0">
+              <a:buNone/>
+              <a:defRPr sz="1408" b="1"/>
             </a:lvl9pPr>
           </a:lstStyle>
           <a:p>
@@ -1539,8 +2023,8 @@
         </p:nvSpPr>
         <p:spPr>
           <a:xfrm>
-            <a:off x="3888165" y="2672080"/>
-            <a:ext cx="3265138" cy="3930227"/>
+            <a:off x="4073814" y="3674110"/>
+            <a:ext cx="3421039" cy="5404062"/>
           </a:xfrm>
         </p:spPr>
         <p:txBody>
@@ -1601,7 +2085,7 @@
           <a:p>
             <a:fld id="{0C5BDED1-0BE7-4ECE-A7B2-993361CCC74F}" type="datetimeFigureOut">
               <a:rPr lang="LID4096" smtClean="0"/>
-              <a:t>11/28/2021</a:t>
+              <a:t>11/30/2021</a:t>
             </a:fld>
             <a:endParaRPr lang="LID4096"/>
           </a:p>
@@ -1652,7 +2136,7 @@
     </p:spTree>
     <p:extLst>
       <p:ext uri="{BB962C8B-B14F-4D97-AF65-F5344CB8AC3E}">
-        <p14:creationId xmlns:p14="http://schemas.microsoft.com/office/powerpoint/2010/main" val="3101928542"/>
+        <p14:creationId xmlns:p14="http://schemas.microsoft.com/office/powerpoint/2010/main" val="969844292"/>
       </p:ext>
     </p:extLst>
   </p:cSld>
@@ -1719,7 +2203,7 @@
           <a:p>
             <a:fld id="{0C5BDED1-0BE7-4ECE-A7B2-993361CCC74F}" type="datetimeFigureOut">
               <a:rPr lang="LID4096" smtClean="0"/>
-              <a:t>11/28/2021</a:t>
+              <a:t>11/30/2021</a:t>
             </a:fld>
             <a:endParaRPr lang="LID4096"/>
           </a:p>
@@ -1770,7 +2254,7 @@
     </p:spTree>
     <p:extLst>
       <p:ext uri="{BB962C8B-B14F-4D97-AF65-F5344CB8AC3E}">
-        <p14:creationId xmlns:p14="http://schemas.microsoft.com/office/powerpoint/2010/main" val="9631954"/>
+        <p14:creationId xmlns:p14="http://schemas.microsoft.com/office/powerpoint/2010/main" val="3935306615"/>
       </p:ext>
     </p:extLst>
   </p:cSld>
@@ -1814,7 +2298,7 @@
           <a:p>
             <a:fld id="{0C5BDED1-0BE7-4ECE-A7B2-993361CCC74F}" type="datetimeFigureOut">
               <a:rPr lang="LID4096" smtClean="0"/>
-              <a:t>11/28/2021</a:t>
+              <a:t>11/30/2021</a:t>
             </a:fld>
             <a:endParaRPr lang="LID4096"/>
           </a:p>
@@ -1865,7 +2349,7 @@
     </p:spTree>
     <p:extLst>
       <p:ext uri="{BB962C8B-B14F-4D97-AF65-F5344CB8AC3E}">
-        <p14:creationId xmlns:p14="http://schemas.microsoft.com/office/powerpoint/2010/main" val="2204928853"/>
+        <p14:creationId xmlns:p14="http://schemas.microsoft.com/office/powerpoint/2010/main" val="2976963862"/>
       </p:ext>
     </p:extLst>
   </p:cSld>
@@ -1904,15 +2388,15 @@
         </p:nvSpPr>
         <p:spPr>
           <a:xfrm>
-            <a:off x="529023" y="487680"/>
-            <a:ext cx="2477105" cy="1706880"/>
+            <a:off x="554282" y="670560"/>
+            <a:ext cx="2595379" cy="2346960"/>
           </a:xfrm>
         </p:spPr>
         <p:txBody>
           <a:bodyPr anchor="b"/>
           <a:lstStyle>
             <a:lvl1pPr>
-              <a:defRPr sz="2688"/>
+              <a:defRPr sz="2816"/>
             </a:lvl1pPr>
           </a:lstStyle>
           <a:p>
@@ -1936,39 +2420,39 @@
         </p:nvSpPr>
         <p:spPr>
           <a:xfrm>
-            <a:off x="3265138" y="1053255"/>
-            <a:ext cx="3888165" cy="5198533"/>
+            <a:off x="3421039" y="1448226"/>
+            <a:ext cx="4073813" cy="7147983"/>
           </a:xfrm>
         </p:spPr>
         <p:txBody>
           <a:bodyPr/>
           <a:lstStyle>
             <a:lvl1pPr>
-              <a:defRPr sz="2688"/>
+              <a:defRPr sz="2816"/>
             </a:lvl1pPr>
             <a:lvl2pPr>
-              <a:defRPr sz="2352"/>
+              <a:defRPr sz="2464"/>
             </a:lvl2pPr>
             <a:lvl3pPr>
-              <a:defRPr sz="2016"/>
+              <a:defRPr sz="2112"/>
             </a:lvl3pPr>
             <a:lvl4pPr>
-              <a:defRPr sz="1680"/>
+              <a:defRPr sz="1760"/>
             </a:lvl4pPr>
             <a:lvl5pPr>
-              <a:defRPr sz="1680"/>
+              <a:defRPr sz="1760"/>
             </a:lvl5pPr>
             <a:lvl6pPr>
-              <a:defRPr sz="1680"/>
+              <a:defRPr sz="1760"/>
             </a:lvl6pPr>
             <a:lvl7pPr>
-              <a:defRPr sz="1680"/>
+              <a:defRPr sz="1760"/>
             </a:lvl7pPr>
             <a:lvl8pPr>
-              <a:defRPr sz="1680"/>
+              <a:defRPr sz="1760"/>
             </a:lvl8pPr>
             <a:lvl9pPr>
-              <a:defRPr sz="1680"/>
+              <a:defRPr sz="1760"/>
             </a:lvl9pPr>
           </a:lstStyle>
           <a:p>
@@ -2021,8 +2505,8 @@
         </p:nvSpPr>
         <p:spPr>
           <a:xfrm>
-            <a:off x="529023" y="2194560"/>
-            <a:ext cx="2477105" cy="4065694"/>
+            <a:off x="554282" y="3017520"/>
+            <a:ext cx="2595379" cy="5590329"/>
           </a:xfrm>
         </p:spPr>
         <p:txBody>
@@ -2030,39 +2514,39 @@
           <a:lstStyle>
             <a:lvl1pPr marL="0" indent="0">
               <a:buNone/>
-              <a:defRPr sz="1344"/>
+              <a:defRPr sz="1408"/>
             </a:lvl1pPr>
-            <a:lvl2pPr marL="384002" indent="0">
-              <a:buNone/>
-              <a:defRPr sz="1176"/>
+            <a:lvl2pPr marL="402336" indent="0">
+              <a:buNone/>
+              <a:defRPr sz="1232"/>
             </a:lvl2pPr>
-            <a:lvl3pPr marL="768005" indent="0">
-              <a:buNone/>
-              <a:defRPr sz="1008"/>
+            <a:lvl3pPr marL="804672" indent="0">
+              <a:buNone/>
+              <a:defRPr sz="1056"/>
             </a:lvl3pPr>
-            <a:lvl4pPr marL="1152007" indent="0">
-              <a:buNone/>
-              <a:defRPr sz="840"/>
+            <a:lvl4pPr marL="1207008" indent="0">
+              <a:buNone/>
+              <a:defRPr sz="880"/>
             </a:lvl4pPr>
-            <a:lvl5pPr marL="1536009" indent="0">
-              <a:buNone/>
-              <a:defRPr sz="840"/>
+            <a:lvl5pPr marL="1609344" indent="0">
+              <a:buNone/>
+              <a:defRPr sz="880"/>
             </a:lvl5pPr>
-            <a:lvl6pPr marL="1920011" indent="0">
-              <a:buNone/>
-              <a:defRPr sz="840"/>
+            <a:lvl6pPr marL="2011680" indent="0">
+              <a:buNone/>
+              <a:defRPr sz="880"/>
             </a:lvl6pPr>
-            <a:lvl7pPr marL="2304014" indent="0">
-              <a:buNone/>
-              <a:defRPr sz="840"/>
+            <a:lvl7pPr marL="2414016" indent="0">
+              <a:buNone/>
+              <a:defRPr sz="880"/>
             </a:lvl7pPr>
-            <a:lvl8pPr marL="2688016" indent="0">
-              <a:buNone/>
-              <a:defRPr sz="840"/>
+            <a:lvl8pPr marL="2816352" indent="0">
+              <a:buNone/>
+              <a:defRPr sz="880"/>
             </a:lvl8pPr>
-            <a:lvl9pPr marL="3072018" indent="0">
-              <a:buNone/>
-              <a:defRPr sz="840"/>
+            <a:lvl9pPr marL="3218688" indent="0">
+              <a:buNone/>
+              <a:defRPr sz="880"/>
             </a:lvl9pPr>
           </a:lstStyle>
           <a:p>
@@ -2091,7 +2575,7 @@
           <a:p>
             <a:fld id="{0C5BDED1-0BE7-4ECE-A7B2-993361CCC74F}" type="datetimeFigureOut">
               <a:rPr lang="LID4096" smtClean="0"/>
-              <a:t>11/28/2021</a:t>
+              <a:t>11/30/2021</a:t>
             </a:fld>
             <a:endParaRPr lang="LID4096"/>
           </a:p>
@@ -2142,7 +2626,7 @@
     </p:spTree>
     <p:extLst>
       <p:ext uri="{BB962C8B-B14F-4D97-AF65-F5344CB8AC3E}">
-        <p14:creationId xmlns:p14="http://schemas.microsoft.com/office/powerpoint/2010/main" val="2811746990"/>
+        <p14:creationId xmlns:p14="http://schemas.microsoft.com/office/powerpoint/2010/main" val="3811679969"/>
       </p:ext>
     </p:extLst>
   </p:cSld>
@@ -2181,15 +2665,15 @@
         </p:nvSpPr>
         <p:spPr>
           <a:xfrm>
-            <a:off x="529023" y="487680"/>
-            <a:ext cx="2477105" cy="1706880"/>
+            <a:off x="554282" y="670560"/>
+            <a:ext cx="2595379" cy="2346960"/>
           </a:xfrm>
         </p:spPr>
         <p:txBody>
           <a:bodyPr anchor="b"/>
           <a:lstStyle>
             <a:lvl1pPr>
-              <a:defRPr sz="2688"/>
+              <a:defRPr sz="2816"/>
             </a:lvl1pPr>
           </a:lstStyle>
           <a:p>
@@ -2213,8 +2697,8 @@
         </p:nvSpPr>
         <p:spPr>
           <a:xfrm>
-            <a:off x="3265138" y="1053255"/>
-            <a:ext cx="3888165" cy="5198533"/>
+            <a:off x="3421039" y="1448226"/>
+            <a:ext cx="4073813" cy="7147983"/>
           </a:xfrm>
         </p:spPr>
         <p:txBody>
@@ -2222,39 +2706,39 @@
           <a:lstStyle>
             <a:lvl1pPr marL="0" indent="0">
               <a:buNone/>
-              <a:defRPr sz="2688"/>
+              <a:defRPr sz="2816"/>
             </a:lvl1pPr>
-            <a:lvl2pPr marL="384002" indent="0">
-              <a:buNone/>
-              <a:defRPr sz="2352"/>
+            <a:lvl2pPr marL="402336" indent="0">
+              <a:buNone/>
+              <a:defRPr sz="2464"/>
             </a:lvl2pPr>
-            <a:lvl3pPr marL="768005" indent="0">
-              <a:buNone/>
-              <a:defRPr sz="2016"/>
+            <a:lvl3pPr marL="804672" indent="0">
+              <a:buNone/>
+              <a:defRPr sz="2112"/>
             </a:lvl3pPr>
-            <a:lvl4pPr marL="1152007" indent="0">
-              <a:buNone/>
-              <a:defRPr sz="1680"/>
+            <a:lvl4pPr marL="1207008" indent="0">
+              <a:buNone/>
+              <a:defRPr sz="1760"/>
             </a:lvl4pPr>
-            <a:lvl5pPr marL="1536009" indent="0">
-              <a:buNone/>
-              <a:defRPr sz="1680"/>
+            <a:lvl5pPr marL="1609344" indent="0">
+              <a:buNone/>
+              <a:defRPr sz="1760"/>
             </a:lvl5pPr>
-            <a:lvl6pPr marL="1920011" indent="0">
-              <a:buNone/>
-              <a:defRPr sz="1680"/>
+            <a:lvl6pPr marL="2011680" indent="0">
+              <a:buNone/>
+              <a:defRPr sz="1760"/>
             </a:lvl6pPr>
-            <a:lvl7pPr marL="2304014" indent="0">
-              <a:buNone/>
-              <a:defRPr sz="1680"/>
+            <a:lvl7pPr marL="2414016" indent="0">
+              <a:buNone/>
+              <a:defRPr sz="1760"/>
             </a:lvl7pPr>
-            <a:lvl8pPr marL="2688016" indent="0">
-              <a:buNone/>
-              <a:defRPr sz="1680"/>
+            <a:lvl8pPr marL="2816352" indent="0">
+              <a:buNone/>
+              <a:defRPr sz="1760"/>
             </a:lvl8pPr>
-            <a:lvl9pPr marL="3072018" indent="0">
-              <a:buNone/>
-              <a:defRPr sz="1680"/>
+            <a:lvl9pPr marL="3218688" indent="0">
+              <a:buNone/>
+              <a:defRPr sz="1760"/>
             </a:lvl9pPr>
           </a:lstStyle>
           <a:p>
@@ -2278,8 +2762,8 @@
         </p:nvSpPr>
         <p:spPr>
           <a:xfrm>
-            <a:off x="529023" y="2194560"/>
-            <a:ext cx="2477105" cy="4065694"/>
+            <a:off x="554282" y="3017520"/>
+            <a:ext cx="2595379" cy="5590329"/>
           </a:xfrm>
         </p:spPr>
         <p:txBody>
@@ -2287,39 +2771,39 @@
           <a:lstStyle>
             <a:lvl1pPr marL="0" indent="0">
               <a:buNone/>
-              <a:defRPr sz="1344"/>
+              <a:defRPr sz="1408"/>
             </a:lvl1pPr>
-            <a:lvl2pPr marL="384002" indent="0">
-              <a:buNone/>
-              <a:defRPr sz="1176"/>
+            <a:lvl2pPr marL="402336" indent="0">
+              <a:buNone/>
+              <a:defRPr sz="1232"/>
             </a:lvl2pPr>
-            <a:lvl3pPr marL="768005" indent="0">
-              <a:buNone/>
-              <a:defRPr sz="1008"/>
+            <a:lvl3pPr marL="804672" indent="0">
+              <a:buNone/>
+              <a:defRPr sz="1056"/>
             </a:lvl3pPr>
-            <a:lvl4pPr marL="1152007" indent="0">
-              <a:buNone/>
-              <a:defRPr sz="840"/>
+            <a:lvl4pPr marL="1207008" indent="0">
+              <a:buNone/>
+              <a:defRPr sz="880"/>
             </a:lvl4pPr>
-            <a:lvl5pPr marL="1536009" indent="0">
-              <a:buNone/>
-              <a:defRPr sz="840"/>
+            <a:lvl5pPr marL="1609344" indent="0">
+              <a:buNone/>
+              <a:defRPr sz="880"/>
             </a:lvl5pPr>
-            <a:lvl6pPr marL="1920011" indent="0">
-              <a:buNone/>
-              <a:defRPr sz="840"/>
+            <a:lvl6pPr marL="2011680" indent="0">
+              <a:buNone/>
+              <a:defRPr sz="880"/>
             </a:lvl6pPr>
-            <a:lvl7pPr marL="2304014" indent="0">
-              <a:buNone/>
-              <a:defRPr sz="840"/>
+            <a:lvl7pPr marL="2414016" indent="0">
+              <a:buNone/>
+              <a:defRPr sz="880"/>
             </a:lvl7pPr>
-            <a:lvl8pPr marL="2688016" indent="0">
-              <a:buNone/>
-              <a:defRPr sz="840"/>
+            <a:lvl8pPr marL="2816352" indent="0">
+              <a:buNone/>
+              <a:defRPr sz="880"/>
             </a:lvl8pPr>
-            <a:lvl9pPr marL="3072018" indent="0">
-              <a:buNone/>
-              <a:defRPr sz="840"/>
+            <a:lvl9pPr marL="3218688" indent="0">
+              <a:buNone/>
+              <a:defRPr sz="880"/>
             </a:lvl9pPr>
           </a:lstStyle>
           <a:p>
@@ -2348,7 +2832,7 @@
           <a:p>
             <a:fld id="{0C5BDED1-0BE7-4ECE-A7B2-993361CCC74F}" type="datetimeFigureOut">
               <a:rPr lang="LID4096" smtClean="0"/>
-              <a:t>11/28/2021</a:t>
+              <a:t>11/30/2021</a:t>
             </a:fld>
             <a:endParaRPr lang="LID4096"/>
           </a:p>
@@ -2399,7 +2883,7 @@
     </p:spTree>
     <p:extLst>
       <p:ext uri="{BB962C8B-B14F-4D97-AF65-F5344CB8AC3E}">
-        <p14:creationId xmlns:p14="http://schemas.microsoft.com/office/powerpoint/2010/main" val="834001189"/>
+        <p14:creationId xmlns:p14="http://schemas.microsoft.com/office/powerpoint/2010/main" val="551441444"/>
       </p:ext>
     </p:extLst>
   </p:cSld>
@@ -2443,8 +2927,8 @@
         </p:nvSpPr>
         <p:spPr>
           <a:xfrm>
-            <a:off x="528023" y="389468"/>
-            <a:ext cx="6624280" cy="1413934"/>
+            <a:off x="553234" y="535519"/>
+            <a:ext cx="6940570" cy="1944159"/>
           </a:xfrm>
           <a:prstGeom prst="rect">
             <a:avLst/>
@@ -2476,8 +2960,8 @@
         </p:nvSpPr>
         <p:spPr>
           <a:xfrm>
-            <a:off x="528023" y="1947333"/>
-            <a:ext cx="6624280" cy="4641427"/>
+            <a:off x="553234" y="2677584"/>
+            <a:ext cx="6940570" cy="6381962"/>
           </a:xfrm>
           <a:prstGeom prst="rect">
             <a:avLst/>
@@ -2538,8 +3022,8 @@
         </p:nvSpPr>
         <p:spPr>
           <a:xfrm>
-            <a:off x="528022" y="6780108"/>
-            <a:ext cx="1728073" cy="389467"/>
+            <a:off x="553234" y="9322649"/>
+            <a:ext cx="1810584" cy="535517"/>
           </a:xfrm>
           <a:prstGeom prst="rect">
             <a:avLst/>
@@ -2549,7 +3033,7 @@
           <a:bodyPr vert="horz" lIns="91440" tIns="45720" rIns="91440" bIns="45720" rtlCol="0" anchor="ctr"/>
           <a:lstStyle>
             <a:lvl1pPr algn="l">
-              <a:defRPr sz="1008">
+              <a:defRPr sz="1056">
                 <a:solidFill>
                   <a:schemeClr val="tx1">
                     <a:tint val="75000"/>
@@ -2561,7 +3045,7 @@
           <a:p>
             <a:fld id="{0C5BDED1-0BE7-4ECE-A7B2-993361CCC74F}" type="datetimeFigureOut">
               <a:rPr lang="LID4096" smtClean="0"/>
-              <a:t>11/28/2021</a:t>
+              <a:t>11/30/2021</a:t>
             </a:fld>
             <a:endParaRPr lang="LID4096"/>
           </a:p>
@@ -2579,8 +3063,8 @@
         </p:nvSpPr>
         <p:spPr>
           <a:xfrm>
-            <a:off x="2544108" y="6780108"/>
-            <a:ext cx="2592110" cy="389467"/>
+            <a:off x="2665582" y="9322649"/>
+            <a:ext cx="2715875" cy="535517"/>
           </a:xfrm>
           <a:prstGeom prst="rect">
             <a:avLst/>
@@ -2590,7 +3074,7 @@
           <a:bodyPr vert="horz" lIns="91440" tIns="45720" rIns="91440" bIns="45720" rtlCol="0" anchor="ctr"/>
           <a:lstStyle>
             <a:lvl1pPr algn="ctr">
-              <a:defRPr sz="1008">
+              <a:defRPr sz="1056">
                 <a:solidFill>
                   <a:schemeClr val="tx1">
                     <a:tint val="75000"/>
@@ -2616,8 +3100,8 @@
         </p:nvSpPr>
         <p:spPr>
           <a:xfrm>
-            <a:off x="5424230" y="6780108"/>
-            <a:ext cx="1728073" cy="389467"/>
+            <a:off x="5683220" y="9322649"/>
+            <a:ext cx="1810584" cy="535517"/>
           </a:xfrm>
           <a:prstGeom prst="rect">
             <a:avLst/>
@@ -2627,7 +3111,7 @@
           <a:bodyPr vert="horz" lIns="91440" tIns="45720" rIns="91440" bIns="45720" rtlCol="0" anchor="ctr"/>
           <a:lstStyle>
             <a:lvl1pPr algn="r">
-              <a:defRPr sz="1008">
+              <a:defRPr sz="1056">
                 <a:solidFill>
                   <a:schemeClr val="tx1">
                     <a:tint val="75000"/>
@@ -2648,27 +3132,27 @@
     </p:spTree>
     <p:extLst>
       <p:ext uri="{BB962C8B-B14F-4D97-AF65-F5344CB8AC3E}">
-        <p14:creationId xmlns:p14="http://schemas.microsoft.com/office/powerpoint/2010/main" val="2601655500"/>
+        <p14:creationId xmlns:p14="http://schemas.microsoft.com/office/powerpoint/2010/main" val="707884398"/>
       </p:ext>
     </p:extLst>
   </p:cSld>
   <p:clrMap bg1="lt1" tx1="dk1" bg2="lt2" tx2="dk2" accent1="accent1" accent2="accent2" accent3="accent3" accent4="accent4" accent5="accent5" accent6="accent6" hlink="hlink" folHlink="folHlink"/>
   <p:sldLayoutIdLst>
-    <p:sldLayoutId id="2147483733" r:id="rId1"/>
-    <p:sldLayoutId id="2147483734" r:id="rId2"/>
-    <p:sldLayoutId id="2147483735" r:id="rId3"/>
-    <p:sldLayoutId id="2147483736" r:id="rId4"/>
-    <p:sldLayoutId id="2147483737" r:id="rId5"/>
-    <p:sldLayoutId id="2147483738" r:id="rId6"/>
-    <p:sldLayoutId id="2147483739" r:id="rId7"/>
-    <p:sldLayoutId id="2147483740" r:id="rId8"/>
-    <p:sldLayoutId id="2147483741" r:id="rId9"/>
-    <p:sldLayoutId id="2147483742" r:id="rId10"/>
-    <p:sldLayoutId id="2147483743" r:id="rId11"/>
+    <p:sldLayoutId id="2147483757" r:id="rId1"/>
+    <p:sldLayoutId id="2147483758" r:id="rId2"/>
+    <p:sldLayoutId id="2147483759" r:id="rId3"/>
+    <p:sldLayoutId id="2147483760" r:id="rId4"/>
+    <p:sldLayoutId id="2147483761" r:id="rId5"/>
+    <p:sldLayoutId id="2147483762" r:id="rId6"/>
+    <p:sldLayoutId id="2147483763" r:id="rId7"/>
+    <p:sldLayoutId id="2147483764" r:id="rId8"/>
+    <p:sldLayoutId id="2147483765" r:id="rId9"/>
+    <p:sldLayoutId id="2147483766" r:id="rId10"/>
+    <p:sldLayoutId id="2147483767" r:id="rId11"/>
   </p:sldLayoutIdLst>
   <p:txStyles>
     <p:titleStyle>
-      <a:lvl1pPr algn="l" defTabSz="768005" rtl="0" eaLnBrk="1" latinLnBrk="0" hangingPunct="1">
+      <a:lvl1pPr algn="l" defTabSz="804672" rtl="0" eaLnBrk="1" latinLnBrk="0" hangingPunct="1">
         <a:lnSpc>
           <a:spcPct val="90000"/>
         </a:lnSpc>
@@ -2676,7 +3160,7 @@
           <a:spcPct val="0"/>
         </a:spcBef>
         <a:buNone/>
-        <a:defRPr sz="3696" kern="1200">
+        <a:defRPr sz="3872" kern="1200">
           <a:solidFill>
             <a:schemeClr val="tx1"/>
           </a:solidFill>
@@ -2687,16 +3171,16 @@
       </a:lvl1pPr>
     </p:titleStyle>
     <p:bodyStyle>
-      <a:lvl1pPr marL="192001" indent="-192001" algn="l" defTabSz="768005" rtl="0" eaLnBrk="1" latinLnBrk="0" hangingPunct="1">
+      <a:lvl1pPr marL="201168" indent="-201168" algn="l" defTabSz="804672" rtl="0" eaLnBrk="1" latinLnBrk="0" hangingPunct="1">
         <a:lnSpc>
           <a:spcPct val="90000"/>
         </a:lnSpc>
         <a:spcBef>
-          <a:spcPts val="840"/>
+          <a:spcPts val="880"/>
         </a:spcBef>
         <a:buFont typeface="Arial" panose="020B0604020202020204" pitchFamily="34" charset="0"/>
         <a:buChar char="•"/>
-        <a:defRPr sz="2352" kern="1200">
+        <a:defRPr sz="2464" kern="1200">
           <a:solidFill>
             <a:schemeClr val="tx1"/>
           </a:solidFill>
@@ -2705,16 +3189,16 @@
           <a:cs typeface="+mn-cs"/>
         </a:defRPr>
       </a:lvl1pPr>
-      <a:lvl2pPr marL="576003" indent="-192001" algn="l" defTabSz="768005" rtl="0" eaLnBrk="1" latinLnBrk="0" hangingPunct="1">
+      <a:lvl2pPr marL="603504" indent="-201168" algn="l" defTabSz="804672" rtl="0" eaLnBrk="1" latinLnBrk="0" hangingPunct="1">
         <a:lnSpc>
           <a:spcPct val="90000"/>
         </a:lnSpc>
         <a:spcBef>
-          <a:spcPts val="420"/>
+          <a:spcPts val="440"/>
         </a:spcBef>
         <a:buFont typeface="Arial" panose="020B0604020202020204" pitchFamily="34" charset="0"/>
         <a:buChar char="•"/>
-        <a:defRPr sz="2016" kern="1200">
+        <a:defRPr sz="2112" kern="1200">
           <a:solidFill>
             <a:schemeClr val="tx1"/>
           </a:solidFill>
@@ -2723,16 +3207,16 @@
           <a:cs typeface="+mn-cs"/>
         </a:defRPr>
       </a:lvl2pPr>
-      <a:lvl3pPr marL="960006" indent="-192001" algn="l" defTabSz="768005" rtl="0" eaLnBrk="1" latinLnBrk="0" hangingPunct="1">
+      <a:lvl3pPr marL="1005840" indent="-201168" algn="l" defTabSz="804672" rtl="0" eaLnBrk="1" latinLnBrk="0" hangingPunct="1">
         <a:lnSpc>
           <a:spcPct val="90000"/>
         </a:lnSpc>
         <a:spcBef>
-          <a:spcPts val="420"/>
+          <a:spcPts val="440"/>
         </a:spcBef>
         <a:buFont typeface="Arial" panose="020B0604020202020204" pitchFamily="34" charset="0"/>
         <a:buChar char="•"/>
-        <a:defRPr sz="1680" kern="1200">
+        <a:defRPr sz="1760" kern="1200">
           <a:solidFill>
             <a:schemeClr val="tx1"/>
           </a:solidFill>
@@ -2741,16 +3225,16 @@
           <a:cs typeface="+mn-cs"/>
         </a:defRPr>
       </a:lvl3pPr>
-      <a:lvl4pPr marL="1344008" indent="-192001" algn="l" defTabSz="768005" rtl="0" eaLnBrk="1" latinLnBrk="0" hangingPunct="1">
+      <a:lvl4pPr marL="1408176" indent="-201168" algn="l" defTabSz="804672" rtl="0" eaLnBrk="1" latinLnBrk="0" hangingPunct="1">
         <a:lnSpc>
           <a:spcPct val="90000"/>
         </a:lnSpc>
         <a:spcBef>
-          <a:spcPts val="420"/>
+          <a:spcPts val="440"/>
         </a:spcBef>
         <a:buFont typeface="Arial" panose="020B0604020202020204" pitchFamily="34" charset="0"/>
         <a:buChar char="•"/>
-        <a:defRPr sz="1512" kern="1200">
+        <a:defRPr sz="1584" kern="1200">
           <a:solidFill>
             <a:schemeClr val="tx1"/>
           </a:solidFill>
@@ -2759,16 +3243,16 @@
           <a:cs typeface="+mn-cs"/>
         </a:defRPr>
       </a:lvl4pPr>
-      <a:lvl5pPr marL="1728010" indent="-192001" algn="l" defTabSz="768005" rtl="0" eaLnBrk="1" latinLnBrk="0" hangingPunct="1">
+      <a:lvl5pPr marL="1810512" indent="-201168" algn="l" defTabSz="804672" rtl="0" eaLnBrk="1" latinLnBrk="0" hangingPunct="1">
         <a:lnSpc>
           <a:spcPct val="90000"/>
         </a:lnSpc>
         <a:spcBef>
-          <a:spcPts val="420"/>
+          <a:spcPts val="440"/>
         </a:spcBef>
         <a:buFont typeface="Arial" panose="020B0604020202020204" pitchFamily="34" charset="0"/>
         <a:buChar char="•"/>
-        <a:defRPr sz="1512" kern="1200">
+        <a:defRPr sz="1584" kern="1200">
           <a:solidFill>
             <a:schemeClr val="tx1"/>
           </a:solidFill>
@@ -2777,16 +3261,16 @@
           <a:cs typeface="+mn-cs"/>
         </a:defRPr>
       </a:lvl5pPr>
-      <a:lvl6pPr marL="2112013" indent="-192001" algn="l" defTabSz="768005" rtl="0" eaLnBrk="1" latinLnBrk="0" hangingPunct="1">
+      <a:lvl6pPr marL="2212848" indent="-201168" algn="l" defTabSz="804672" rtl="0" eaLnBrk="1" latinLnBrk="0" hangingPunct="1">
         <a:lnSpc>
           <a:spcPct val="90000"/>
         </a:lnSpc>
         <a:spcBef>
-          <a:spcPts val="420"/>
+          <a:spcPts val="440"/>
         </a:spcBef>
         <a:buFont typeface="Arial" panose="020B0604020202020204" pitchFamily="34" charset="0"/>
         <a:buChar char="•"/>
-        <a:defRPr sz="1512" kern="1200">
+        <a:defRPr sz="1584" kern="1200">
           <a:solidFill>
             <a:schemeClr val="tx1"/>
           </a:solidFill>
@@ -2795,16 +3279,16 @@
           <a:cs typeface="+mn-cs"/>
         </a:defRPr>
       </a:lvl6pPr>
-      <a:lvl7pPr marL="2496015" indent="-192001" algn="l" defTabSz="768005" rtl="0" eaLnBrk="1" latinLnBrk="0" hangingPunct="1">
+      <a:lvl7pPr marL="2615184" indent="-201168" algn="l" defTabSz="804672" rtl="0" eaLnBrk="1" latinLnBrk="0" hangingPunct="1">
         <a:lnSpc>
           <a:spcPct val="90000"/>
         </a:lnSpc>
         <a:spcBef>
-          <a:spcPts val="420"/>
+          <a:spcPts val="440"/>
         </a:spcBef>
         <a:buFont typeface="Arial" panose="020B0604020202020204" pitchFamily="34" charset="0"/>
         <a:buChar char="•"/>
-        <a:defRPr sz="1512" kern="1200">
+        <a:defRPr sz="1584" kern="1200">
           <a:solidFill>
             <a:schemeClr val="tx1"/>
           </a:solidFill>
@@ -2813,16 +3297,16 @@
           <a:cs typeface="+mn-cs"/>
         </a:defRPr>
       </a:lvl7pPr>
-      <a:lvl8pPr marL="2880017" indent="-192001" algn="l" defTabSz="768005" rtl="0" eaLnBrk="1" latinLnBrk="0" hangingPunct="1">
+      <a:lvl8pPr marL="3017520" indent="-201168" algn="l" defTabSz="804672" rtl="0" eaLnBrk="1" latinLnBrk="0" hangingPunct="1">
         <a:lnSpc>
           <a:spcPct val="90000"/>
         </a:lnSpc>
         <a:spcBef>
-          <a:spcPts val="420"/>
+          <a:spcPts val="440"/>
         </a:spcBef>
         <a:buFont typeface="Arial" panose="020B0604020202020204" pitchFamily="34" charset="0"/>
         <a:buChar char="•"/>
-        <a:defRPr sz="1512" kern="1200">
+        <a:defRPr sz="1584" kern="1200">
           <a:solidFill>
             <a:schemeClr val="tx1"/>
           </a:solidFill>
@@ -2831,16 +3315,16 @@
           <a:cs typeface="+mn-cs"/>
         </a:defRPr>
       </a:lvl8pPr>
-      <a:lvl9pPr marL="3264019" indent="-192001" algn="l" defTabSz="768005" rtl="0" eaLnBrk="1" latinLnBrk="0" hangingPunct="1">
+      <a:lvl9pPr marL="3419856" indent="-201168" algn="l" defTabSz="804672" rtl="0" eaLnBrk="1" latinLnBrk="0" hangingPunct="1">
         <a:lnSpc>
           <a:spcPct val="90000"/>
         </a:lnSpc>
         <a:spcBef>
-          <a:spcPts val="420"/>
+          <a:spcPts val="440"/>
         </a:spcBef>
         <a:buFont typeface="Arial" panose="020B0604020202020204" pitchFamily="34" charset="0"/>
         <a:buChar char="•"/>
-        <a:defRPr sz="1512" kern="1200">
+        <a:defRPr sz="1584" kern="1200">
           <a:solidFill>
             <a:schemeClr val="tx1"/>
           </a:solidFill>
@@ -2854,8 +3338,8 @@
       <a:defPPr>
         <a:defRPr lang="en-US"/>
       </a:defPPr>
-      <a:lvl1pPr marL="0" algn="l" defTabSz="768005" rtl="0" eaLnBrk="1" latinLnBrk="0" hangingPunct="1">
-        <a:defRPr sz="1512" kern="1200">
+      <a:lvl1pPr marL="0" algn="l" defTabSz="804672" rtl="0" eaLnBrk="1" latinLnBrk="0" hangingPunct="1">
+        <a:defRPr sz="1584" kern="1200">
           <a:solidFill>
             <a:schemeClr val="tx1"/>
           </a:solidFill>
@@ -2864,8 +3348,8 @@
           <a:cs typeface="+mn-cs"/>
         </a:defRPr>
       </a:lvl1pPr>
-      <a:lvl2pPr marL="384002" algn="l" defTabSz="768005" rtl="0" eaLnBrk="1" latinLnBrk="0" hangingPunct="1">
-        <a:defRPr sz="1512" kern="1200">
+      <a:lvl2pPr marL="402336" algn="l" defTabSz="804672" rtl="0" eaLnBrk="1" latinLnBrk="0" hangingPunct="1">
+        <a:defRPr sz="1584" kern="1200">
           <a:solidFill>
             <a:schemeClr val="tx1"/>
           </a:solidFill>
@@ -2874,8 +3358,8 @@
           <a:cs typeface="+mn-cs"/>
         </a:defRPr>
       </a:lvl2pPr>
-      <a:lvl3pPr marL="768005" algn="l" defTabSz="768005" rtl="0" eaLnBrk="1" latinLnBrk="0" hangingPunct="1">
-        <a:defRPr sz="1512" kern="1200">
+      <a:lvl3pPr marL="804672" algn="l" defTabSz="804672" rtl="0" eaLnBrk="1" latinLnBrk="0" hangingPunct="1">
+        <a:defRPr sz="1584" kern="1200">
           <a:solidFill>
             <a:schemeClr val="tx1"/>
           </a:solidFill>
@@ -2884,8 +3368,8 @@
           <a:cs typeface="+mn-cs"/>
         </a:defRPr>
       </a:lvl3pPr>
-      <a:lvl4pPr marL="1152007" algn="l" defTabSz="768005" rtl="0" eaLnBrk="1" latinLnBrk="0" hangingPunct="1">
-        <a:defRPr sz="1512" kern="1200">
+      <a:lvl4pPr marL="1207008" algn="l" defTabSz="804672" rtl="0" eaLnBrk="1" latinLnBrk="0" hangingPunct="1">
+        <a:defRPr sz="1584" kern="1200">
           <a:solidFill>
             <a:schemeClr val="tx1"/>
           </a:solidFill>
@@ -2894,8 +3378,8 @@
           <a:cs typeface="+mn-cs"/>
         </a:defRPr>
       </a:lvl4pPr>
-      <a:lvl5pPr marL="1536009" algn="l" defTabSz="768005" rtl="0" eaLnBrk="1" latinLnBrk="0" hangingPunct="1">
-        <a:defRPr sz="1512" kern="1200">
+      <a:lvl5pPr marL="1609344" algn="l" defTabSz="804672" rtl="0" eaLnBrk="1" latinLnBrk="0" hangingPunct="1">
+        <a:defRPr sz="1584" kern="1200">
           <a:solidFill>
             <a:schemeClr val="tx1"/>
           </a:solidFill>
@@ -2904,8 +3388,8 @@
           <a:cs typeface="+mn-cs"/>
         </a:defRPr>
       </a:lvl5pPr>
-      <a:lvl6pPr marL="1920011" algn="l" defTabSz="768005" rtl="0" eaLnBrk="1" latinLnBrk="0" hangingPunct="1">
-        <a:defRPr sz="1512" kern="1200">
+      <a:lvl6pPr marL="2011680" algn="l" defTabSz="804672" rtl="0" eaLnBrk="1" latinLnBrk="0" hangingPunct="1">
+        <a:defRPr sz="1584" kern="1200">
           <a:solidFill>
             <a:schemeClr val="tx1"/>
           </a:solidFill>
@@ -2914,8 +3398,8 @@
           <a:cs typeface="+mn-cs"/>
         </a:defRPr>
       </a:lvl6pPr>
-      <a:lvl7pPr marL="2304014" algn="l" defTabSz="768005" rtl="0" eaLnBrk="1" latinLnBrk="0" hangingPunct="1">
-        <a:defRPr sz="1512" kern="1200">
+      <a:lvl7pPr marL="2414016" algn="l" defTabSz="804672" rtl="0" eaLnBrk="1" latinLnBrk="0" hangingPunct="1">
+        <a:defRPr sz="1584" kern="1200">
           <a:solidFill>
             <a:schemeClr val="tx1"/>
           </a:solidFill>
@@ -2924,8 +3408,8 @@
           <a:cs typeface="+mn-cs"/>
         </a:defRPr>
       </a:lvl7pPr>
-      <a:lvl8pPr marL="2688016" algn="l" defTabSz="768005" rtl="0" eaLnBrk="1" latinLnBrk="0" hangingPunct="1">
-        <a:defRPr sz="1512" kern="1200">
+      <a:lvl8pPr marL="2816352" algn="l" defTabSz="804672" rtl="0" eaLnBrk="1" latinLnBrk="0" hangingPunct="1">
+        <a:defRPr sz="1584" kern="1200">
           <a:solidFill>
             <a:schemeClr val="tx1"/>
           </a:solidFill>
@@ -2934,8 +3418,8 @@
           <a:cs typeface="+mn-cs"/>
         </a:defRPr>
       </a:lvl8pPr>
-      <a:lvl9pPr marL="3072018" algn="l" defTabSz="768005" rtl="0" eaLnBrk="1" latinLnBrk="0" hangingPunct="1">
-        <a:defRPr sz="1512" kern="1200">
+      <a:lvl9pPr marL="3218688" algn="l" defTabSz="804672" rtl="0" eaLnBrk="1" latinLnBrk="0" hangingPunct="1">
+        <a:defRPr sz="1584" kern="1200">
           <a:solidFill>
             <a:schemeClr val="tx1"/>
           </a:solidFill>
@@ -2980,7 +3464,7 @@
         </p:nvSpPr>
         <p:spPr>
           <a:xfrm>
-            <a:off x="4441273" y="447167"/>
+            <a:off x="4700743" y="3031327"/>
             <a:ext cx="3192752" cy="1557637"/>
           </a:xfrm>
           <a:prstGeom prst="roundRect">
@@ -3145,7 +3629,7 @@
         </p:nvSpPr>
         <p:spPr>
           <a:xfrm>
-            <a:off x="1664478" y="3338878"/>
+            <a:off x="1923949" y="5923035"/>
             <a:ext cx="2620186" cy="318722"/>
           </a:xfrm>
           <a:prstGeom prst="roundRect">
@@ -3207,7 +3691,7 @@
         </p:nvSpPr>
         <p:spPr>
           <a:xfrm>
-            <a:off x="1654072" y="16269"/>
+            <a:off x="1913545" y="2600426"/>
             <a:ext cx="2632179" cy="429804"/>
           </a:xfrm>
           <a:prstGeom prst="roundRect">
@@ -3271,7 +3755,7 @@
         </p:nvCxnSpPr>
         <p:spPr>
           <a:xfrm>
-            <a:off x="2970161" y="446074"/>
+            <a:off x="3229634" y="3030233"/>
             <a:ext cx="4407" cy="2892805"/>
           </a:xfrm>
           <a:prstGeom prst="line">
@@ -3307,7 +3791,7 @@
         </p:nvSpPr>
         <p:spPr>
           <a:xfrm>
-            <a:off x="4441273" y="2091225"/>
+            <a:off x="4700743" y="4675385"/>
             <a:ext cx="3192752" cy="1262467"/>
           </a:xfrm>
           <a:prstGeom prst="roundRect">
@@ -3453,7 +3937,7 @@
         </p:nvCxnSpPr>
         <p:spPr>
           <a:xfrm>
-            <a:off x="2970165" y="2686872"/>
+            <a:off x="3229636" y="5271029"/>
             <a:ext cx="1256756" cy="0"/>
           </a:xfrm>
           <a:prstGeom prst="line">
@@ -3491,7 +3975,7 @@
         </p:nvCxnSpPr>
         <p:spPr>
           <a:xfrm>
-            <a:off x="2970165" y="1199891"/>
+            <a:off x="3229636" y="3784048"/>
             <a:ext cx="1256756" cy="0"/>
           </a:xfrm>
           <a:prstGeom prst="line">
@@ -3527,7 +4011,7 @@
         </p:nvSpPr>
         <p:spPr>
           <a:xfrm>
-            <a:off x="1132555" y="4193731"/>
+            <a:off x="1392025" y="6777888"/>
             <a:ext cx="1753046" cy="982910"/>
           </a:xfrm>
           <a:prstGeom prst="roundRect">
@@ -3652,7 +4136,7 @@
         </p:nvSpPr>
         <p:spPr bwMode="auto">
           <a:xfrm>
-            <a:off x="1132556" y="5345698"/>
+            <a:off x="1392026" y="7929858"/>
             <a:ext cx="1804176" cy="825219"/>
           </a:xfrm>
           <a:prstGeom prst="roundRect">
@@ -3802,7 +4286,7 @@
         </p:nvSpPr>
         <p:spPr bwMode="auto">
           <a:xfrm>
-            <a:off x="3117608" y="4184487"/>
+            <a:off x="3377080" y="6768645"/>
             <a:ext cx="1753045" cy="992156"/>
           </a:xfrm>
           <a:prstGeom prst="roundRect">
@@ -3952,7 +4436,7 @@
         </p:nvSpPr>
         <p:spPr bwMode="auto">
           <a:xfrm>
-            <a:off x="3109578" y="5335694"/>
+            <a:off x="3369051" y="7919851"/>
             <a:ext cx="1781683" cy="834814"/>
           </a:xfrm>
           <a:prstGeom prst="roundRect">
@@ -4102,7 +4586,7 @@
         </p:nvCxnSpPr>
         <p:spPr>
           <a:xfrm flipV="1">
-            <a:off x="869658" y="3854545"/>
+            <a:off x="1129131" y="6438705"/>
             <a:ext cx="4274451" cy="10029"/>
           </a:xfrm>
           <a:prstGeom prst="line">
@@ -4135,7 +4619,7 @@
         </p:nvCxnSpPr>
         <p:spPr>
           <a:xfrm>
-            <a:off x="870724" y="3859208"/>
+            <a:off x="1130194" y="6443368"/>
             <a:ext cx="11514" cy="2554721"/>
           </a:xfrm>
           <a:prstGeom prst="line">
@@ -4173,7 +4657,7 @@
         </p:nvCxnSpPr>
         <p:spPr>
           <a:xfrm>
-            <a:off x="5139963" y="3859208"/>
+            <a:off x="5399433" y="6443368"/>
             <a:ext cx="11514" cy="2554721"/>
           </a:xfrm>
           <a:prstGeom prst="line">
@@ -4211,7 +4695,7 @@
         </p:nvCxnSpPr>
         <p:spPr>
           <a:xfrm>
-            <a:off x="882237" y="5706229"/>
+            <a:off x="1141708" y="8290386"/>
             <a:ext cx="239786" cy="0"/>
           </a:xfrm>
           <a:prstGeom prst="line">
@@ -4249,7 +4733,7 @@
         </p:nvSpPr>
         <p:spPr bwMode="auto">
           <a:xfrm>
-            <a:off x="100438" y="6427305"/>
+            <a:off x="359910" y="9011464"/>
             <a:ext cx="1909005" cy="867437"/>
           </a:xfrm>
           <a:prstGeom prst="roundRect">
@@ -4372,7 +4856,7 @@
         </p:nvSpPr>
         <p:spPr bwMode="auto">
           <a:xfrm>
-            <a:off x="4093576" y="6434011"/>
+            <a:off x="4353049" y="9018171"/>
             <a:ext cx="2101063" cy="867437"/>
           </a:xfrm>
           <a:prstGeom prst="roundRect">
@@ -4493,7 +4977,7 @@
         </p:nvCxnSpPr>
         <p:spPr>
           <a:xfrm>
-            <a:off x="2795869" y="3657604"/>
+            <a:off x="3055339" y="6241761"/>
             <a:ext cx="0" cy="199304"/>
           </a:xfrm>
           <a:prstGeom prst="line">
@@ -4536,8 +5020,8 @@
         </p:nvSpPr>
         <p:spPr bwMode="auto">
           <a:xfrm>
-            <a:off x="905126" y="-111241"/>
-            <a:ext cx="223310" cy="455374"/>
+            <a:off x="1164596" y="2477442"/>
+            <a:ext cx="223306" cy="446327"/>
           </a:xfrm>
           <a:prstGeom prst="rect">
             <a:avLst/>
@@ -4605,7 +5089,7 @@
         </p:nvCxnSpPr>
         <p:spPr>
           <a:xfrm>
-            <a:off x="882236" y="4732129"/>
+            <a:off x="1141706" y="7316286"/>
             <a:ext cx="239786" cy="0"/>
           </a:xfrm>
           <a:prstGeom prst="line">
@@ -4643,7 +5127,7 @@
         </p:nvCxnSpPr>
         <p:spPr>
           <a:xfrm flipH="1" flipV="1">
-            <a:off x="4889582" y="4732132"/>
+            <a:off x="5149055" y="7316292"/>
             <a:ext cx="239787" cy="1"/>
           </a:xfrm>
           <a:prstGeom prst="line">
@@ -4681,7 +5165,7 @@
         </p:nvCxnSpPr>
         <p:spPr>
           <a:xfrm flipH="1" flipV="1">
-            <a:off x="4911688" y="5706234"/>
+            <a:off x="5171161" y="8290394"/>
             <a:ext cx="239787" cy="1"/>
           </a:xfrm>
           <a:prstGeom prst="line">
